--- a/TC/388 - Hãy Theo Ta.pptx
+++ b/TC/388 - Hãy Theo Ta.pptx
@@ -117,6 +117,22 @@
       </a:defRPr>
     </a:lvl9pPr>
   </p:defaultTextStyle>
+  <p:extLst>
+    <p:ext uri="{EFAFB233-063F-42B5-8137-9DF3F51BA10A}">
+      <p15:sldGuideLst xmlns:p15="http://schemas.microsoft.com/office/powerpoint/2012/main">
+        <p15:guide id="1" orient="horz" pos="2160">
+          <p15:clr>
+            <a:srgbClr val="A4A3A4"/>
+          </p15:clr>
+        </p15:guide>
+        <p15:guide id="2" pos="2880">
+          <p15:clr>
+            <a:srgbClr val="A4A3A4"/>
+          </p15:clr>
+        </p15:guide>
+      </p15:sldGuideLst>
+    </p:ext>
+  </p:extLst>
 </p:presentation>
 </file>
 
@@ -158,10 +174,9 @@
           <a:lstStyle/>
           <a:p>
             <a:r>
-              <a:rPr lang="en-US" smtClean="0"/>
+              <a:rPr lang="en-US"/>
               <a:t>Click to edit Master title style</a:t>
             </a:r>
-            <a:endParaRPr lang="en-US"/>
           </a:p>
         </p:txBody>
       </p:sp>
@@ -277,10 +292,9 @@
           </a:lstStyle>
           <a:p>
             <a:r>
-              <a:rPr lang="en-US" smtClean="0"/>
+              <a:rPr lang="en-US"/>
               <a:t>Click to edit Master subtitle style</a:t>
             </a:r>
-            <a:endParaRPr lang="en-US"/>
           </a:p>
         </p:txBody>
       </p:sp>
@@ -302,7 +316,7 @@
             <a:fld id="{BC6BBD79-9D91-4744-807C-A0EC7BC1B403}" type="datetimeFigureOut">
               <a:rPr lang="en-US" smtClean="0"/>
               <a:pPr/>
-              <a:t>15/09/2012</a:t>
+              <a:t>9/15/19</a:t>
             </a:fld>
             <a:endParaRPr lang="en-US"/>
           </a:p>
@@ -356,13 +370,6 @@
   <p:clrMapOvr>
     <a:masterClrMapping/>
   </p:clrMapOvr>
-  <p:timing>
-    <p:tnLst>
-      <p:par>
-        <p:cTn id="1" dur="indefinite" restart="never" nodeType="tmRoot"/>
-      </p:par>
-    </p:tnLst>
-  </p:timing>
 </p:sldLayout>
 </file>
 
@@ -399,10 +406,9 @@
           <a:lstStyle/>
           <a:p>
             <a:r>
-              <a:rPr lang="en-US" smtClean="0"/>
+              <a:rPr lang="en-US"/>
               <a:t>Click to edit Master title style</a:t>
             </a:r>
-            <a:endParaRPr lang="en-US"/>
           </a:p>
         </p:txBody>
       </p:sp>
@@ -423,38 +429,37 @@
           <a:p>
             <a:pPr lvl="0"/>
             <a:r>
-              <a:rPr lang="en-US" smtClean="0"/>
+              <a:rPr lang="en-US"/>
               <a:t>Click to edit Master text styles</a:t>
             </a:r>
           </a:p>
           <a:p>
             <a:pPr lvl="1"/>
             <a:r>
-              <a:rPr lang="en-US" smtClean="0"/>
+              <a:rPr lang="en-US"/>
               <a:t>Second level</a:t>
             </a:r>
           </a:p>
           <a:p>
             <a:pPr lvl="2"/>
             <a:r>
-              <a:rPr lang="en-US" smtClean="0"/>
+              <a:rPr lang="en-US"/>
               <a:t>Third level</a:t>
             </a:r>
           </a:p>
           <a:p>
             <a:pPr lvl="3"/>
             <a:r>
-              <a:rPr lang="en-US" smtClean="0"/>
+              <a:rPr lang="en-US"/>
               <a:t>Fourth level</a:t>
             </a:r>
           </a:p>
           <a:p>
             <a:pPr lvl="4"/>
             <a:r>
-              <a:rPr lang="en-US" smtClean="0"/>
+              <a:rPr lang="en-US"/>
               <a:t>Fifth level</a:t>
             </a:r>
-            <a:endParaRPr lang="en-US"/>
           </a:p>
         </p:txBody>
       </p:sp>
@@ -576,10 +581,9 @@
           <a:lstStyle/>
           <a:p>
             <a:r>
-              <a:rPr lang="en-US" smtClean="0"/>
+              <a:rPr lang="en-US"/>
               <a:t>Click to edit Master title style</a:t>
             </a:r>
-            <a:endParaRPr lang="en-US"/>
           </a:p>
         </p:txBody>
       </p:sp>
@@ -706,10 +710,9 @@
           <a:lstStyle/>
           <a:p>
             <a:r>
-              <a:rPr lang="en-US" smtClean="0"/>
+              <a:rPr lang="en-US"/>
               <a:t>Click to edit Master title style</a:t>
             </a:r>
-            <a:endParaRPr lang="en-US"/>
           </a:p>
         </p:txBody>
       </p:sp>
@@ -825,10 +828,9 @@
           </a:lstStyle>
           <a:p>
             <a:r>
-              <a:rPr lang="en-US" smtClean="0"/>
+              <a:rPr lang="en-US"/>
               <a:t>Click to edit Master subtitle style</a:t>
             </a:r>
-            <a:endParaRPr lang="en-US"/>
           </a:p>
         </p:txBody>
       </p:sp>
@@ -850,7 +852,7 @@
             <a:fld id="{BC6BBD79-9D91-4744-807C-A0EC7BC1B403}" type="datetimeFigureOut">
               <a:rPr lang="en-US" smtClean="0"/>
               <a:pPr/>
-              <a:t>15/09/2012</a:t>
+              <a:t>9/15/19</a:t>
             </a:fld>
             <a:endParaRPr lang="en-US"/>
           </a:p>
@@ -904,13 +906,6 @@
   <p:clrMapOvr>
     <a:masterClrMapping/>
   </p:clrMapOvr>
-  <p:timing>
-    <p:tnLst>
-      <p:par>
-        <p:cTn id="1" dur="indefinite" restart="never" nodeType="tmRoot"/>
-      </p:par>
-    </p:tnLst>
-  </p:timing>
 </p:sldLayout>
 </file>
 
@@ -947,10 +942,9 @@
           <a:lstStyle/>
           <a:p>
             <a:r>
-              <a:rPr lang="en-US" smtClean="0"/>
+              <a:rPr lang="en-US"/>
               <a:t>Click to edit Master title style</a:t>
             </a:r>
-            <a:endParaRPr lang="en-US"/>
           </a:p>
         </p:txBody>
       </p:sp>
@@ -971,38 +965,37 @@
           <a:p>
             <a:pPr lvl="0"/>
             <a:r>
-              <a:rPr lang="en-US" smtClean="0"/>
+              <a:rPr lang="en-US"/>
               <a:t>Click to edit Master text styles</a:t>
             </a:r>
           </a:p>
           <a:p>
             <a:pPr lvl="1"/>
             <a:r>
-              <a:rPr lang="en-US" smtClean="0"/>
+              <a:rPr lang="en-US"/>
               <a:t>Second level</a:t>
             </a:r>
           </a:p>
           <a:p>
             <a:pPr lvl="2"/>
             <a:r>
-              <a:rPr lang="en-US" smtClean="0"/>
+              <a:rPr lang="en-US"/>
               <a:t>Third level</a:t>
             </a:r>
           </a:p>
           <a:p>
             <a:pPr lvl="3"/>
             <a:r>
-              <a:rPr lang="en-US" smtClean="0"/>
+              <a:rPr lang="en-US"/>
               <a:t>Fourth level</a:t>
             </a:r>
           </a:p>
           <a:p>
             <a:pPr lvl="4"/>
             <a:r>
-              <a:rPr lang="en-US" smtClean="0"/>
+              <a:rPr lang="en-US"/>
               <a:t>Fifth level</a:t>
             </a:r>
-            <a:endParaRPr lang="en-US"/>
           </a:p>
         </p:txBody>
       </p:sp>
@@ -1124,10 +1117,9 @@
           <a:lstStyle/>
           <a:p>
             <a:r>
-              <a:rPr lang="en-US" smtClean="0"/>
+              <a:rPr lang="en-US"/>
               <a:t>Click to edit Master title style</a:t>
             </a:r>
-            <a:endParaRPr lang="en-US"/>
           </a:p>
         </p:txBody>
       </p:sp>
@@ -1273,10 +1265,9 @@
           <a:lstStyle/>
           <a:p>
             <a:r>
-              <a:rPr lang="en-US" smtClean="0"/>
+              <a:rPr lang="en-US"/>
               <a:t>Click to edit Master title style</a:t>
             </a:r>
-            <a:endParaRPr lang="en-US"/>
           </a:p>
         </p:txBody>
       </p:sp>
@@ -1307,38 +1298,37 @@
           <a:p>
             <a:pPr lvl="0"/>
             <a:r>
-              <a:rPr lang="en-US" smtClean="0"/>
+              <a:rPr lang="en-US"/>
               <a:t>Click to edit Master text styles</a:t>
             </a:r>
           </a:p>
           <a:p>
             <a:pPr lvl="1"/>
             <a:r>
-              <a:rPr lang="en-US" smtClean="0"/>
+              <a:rPr lang="en-US"/>
               <a:t>Second level</a:t>
             </a:r>
           </a:p>
           <a:p>
             <a:pPr lvl="2"/>
             <a:r>
-              <a:rPr lang="en-US" smtClean="0"/>
+              <a:rPr lang="en-US"/>
               <a:t>Third level</a:t>
             </a:r>
           </a:p>
           <a:p>
             <a:pPr lvl="3"/>
             <a:r>
-              <a:rPr lang="en-US" smtClean="0"/>
+              <a:rPr lang="en-US"/>
               <a:t>Fourth level</a:t>
             </a:r>
           </a:p>
           <a:p>
             <a:pPr lvl="4"/>
             <a:r>
-              <a:rPr lang="en-US" smtClean="0"/>
+              <a:rPr lang="en-US"/>
               <a:t>Fifth level</a:t>
             </a:r>
-            <a:endParaRPr lang="en-US"/>
           </a:p>
         </p:txBody>
       </p:sp>
@@ -1378,7 +1368,7 @@
             <a:fld id="{BC6BBD79-9D91-4744-807C-A0EC7BC1B403}" type="datetimeFigureOut">
               <a:rPr lang="en-US" smtClean="0"/>
               <a:pPr/>
-              <a:t>15/09/2012</a:t>
+              <a:t>9/15/19</a:t>
             </a:fld>
             <a:endParaRPr lang="en-US"/>
           </a:p>
@@ -1471,13 +1461,6 @@
     <p:sldLayoutId id="2147483662" r:id="rId2"/>
     <p:sldLayoutId id="2147483663" r:id="rId3"/>
   </p:sldLayoutIdLst>
-  <p:timing>
-    <p:tnLst>
-      <p:par>
-        <p:cTn id="1" dur="indefinite" restart="never" nodeType="tmRoot"/>
-      </p:par>
-    </p:tnLst>
-  </p:timing>
   <p:txStyles>
     <p:titleStyle>
       <a:lvl1pPr algn="ctr" defTabSz="914400" rtl="0" eaLnBrk="1" latinLnBrk="0" hangingPunct="1">
@@ -1833,10 +1816,9 @@
           <a:lstStyle/>
           <a:p>
             <a:r>
-              <a:rPr lang="en-US" smtClean="0"/>
+              <a:rPr lang="en-US"/>
               <a:t>Click to edit Master title style</a:t>
             </a:r>
-            <a:endParaRPr lang="en-US"/>
           </a:p>
         </p:txBody>
       </p:sp>
@@ -1867,38 +1849,37 @@
           <a:p>
             <a:pPr lvl="0"/>
             <a:r>
-              <a:rPr lang="en-US" smtClean="0"/>
+              <a:rPr lang="en-US"/>
               <a:t>Click to edit Master text styles</a:t>
             </a:r>
           </a:p>
           <a:p>
             <a:pPr lvl="1"/>
             <a:r>
-              <a:rPr lang="en-US" smtClean="0"/>
+              <a:rPr lang="en-US"/>
               <a:t>Second level</a:t>
             </a:r>
           </a:p>
           <a:p>
             <a:pPr lvl="2"/>
             <a:r>
-              <a:rPr lang="en-US" smtClean="0"/>
+              <a:rPr lang="en-US"/>
               <a:t>Third level</a:t>
             </a:r>
           </a:p>
           <a:p>
             <a:pPr lvl="3"/>
             <a:r>
-              <a:rPr lang="en-US" smtClean="0"/>
+              <a:rPr lang="en-US"/>
               <a:t>Fourth level</a:t>
             </a:r>
           </a:p>
           <a:p>
             <a:pPr lvl="4"/>
             <a:r>
-              <a:rPr lang="en-US" smtClean="0"/>
+              <a:rPr lang="en-US"/>
               <a:t>Fifth level</a:t>
             </a:r>
-            <a:endParaRPr lang="en-US"/>
           </a:p>
         </p:txBody>
       </p:sp>
@@ -1938,7 +1919,7 @@
             <a:fld id="{BC6BBD79-9D91-4744-807C-A0EC7BC1B403}" type="datetimeFigureOut">
               <a:rPr lang="en-US" smtClean="0"/>
               <a:pPr/>
-              <a:t>15/09/2012</a:t>
+              <a:t>9/15/19</a:t>
             </a:fld>
             <a:endParaRPr lang="en-US"/>
           </a:p>
@@ -2071,13 +2052,6 @@
     <p:sldLayoutId id="2147483666" r:id="rId2"/>
     <p:sldLayoutId id="2147483667" r:id="rId3"/>
   </p:sldLayoutIdLst>
-  <p:timing>
-    <p:tnLst>
-      <p:par>
-        <p:cTn id="1" dur="indefinite" restart="never" nodeType="tmRoot"/>
-      </p:par>
-    </p:tnLst>
-  </p:timing>
   <p:txStyles>
     <p:titleStyle>
       <a:lvl1pPr algn="ctr" defTabSz="914400" rtl="0" eaLnBrk="1" latinLnBrk="0" hangingPunct="1">
@@ -2350,95 +2324,6 @@
       </p:grpSpPr>
       <p:sp>
         <p:nvSpPr>
-          <p:cNvPr id="4" name="Rectangle 3"/>
-          <p:cNvSpPr/>
-          <p:nvPr/>
-        </p:nvSpPr>
-        <p:spPr>
-          <a:xfrm>
-            <a:off x="-1" y="304800"/>
-            <a:ext cx="9144001" cy="630942"/>
-          </a:xfrm>
-          <a:prstGeom prst="rect">
-            <a:avLst/>
-          </a:prstGeom>
-          <a:noFill/>
-        </p:spPr>
-        <p:txBody>
-          <a:bodyPr wrap="square" lIns="91440" tIns="45720" rIns="91440" bIns="45720">
-            <a:spAutoFit/>
-          </a:bodyPr>
-          <a:lstStyle/>
-          <a:p>
-            <a:pPr algn="ctr"/>
-            <a:r>
-              <a:rPr lang="en-US" sz="3500" b="1" cap="none" spc="0" dirty="0" smtClean="0">
-                <a:ln w="18415" cmpd="sng">
-                  <a:solidFill>
-                    <a:srgbClr val="FFFFFF"/>
-                  </a:solidFill>
-                  <a:prstDash val="solid"/>
-                </a:ln>
-                <a:solidFill>
-                  <a:srgbClr val="FFFFFF"/>
-                </a:solidFill>
-                <a:effectLst>
-                  <a:outerShdw blurRad="63500" dir="3600000" algn="tl" rotWithShape="0">
-                    <a:srgbClr val="000000">
-                      <a:alpha val="70000"/>
-                    </a:srgbClr>
-                  </a:outerShdw>
-                </a:effectLst>
-                <a:latin typeface="VNI-Eurasia" pitchFamily="2" charset="0"/>
-              </a:rPr>
-              <a:t>TOÂN VINH CHUÙA – THAÙNH CA </a:t>
-            </a:r>
-            <a:r>
-              <a:rPr lang="en-US" sz="3500" b="1" dirty="0" smtClean="0">
-                <a:ln w="18415" cmpd="sng">
-                  <a:solidFill>
-                    <a:srgbClr val="FFFFFF"/>
-                  </a:solidFill>
-                  <a:prstDash val="solid"/>
-                </a:ln>
-                <a:solidFill>
-                  <a:srgbClr val="FFFFFF"/>
-                </a:solidFill>
-                <a:effectLst>
-                  <a:outerShdw blurRad="63500" dir="3600000" algn="tl" rotWithShape="0">
-                    <a:srgbClr val="000000">
-                      <a:alpha val="70000"/>
-                    </a:srgbClr>
-                  </a:outerShdw>
-                </a:effectLst>
-                <a:latin typeface="VNI-Eurasia" pitchFamily="2" charset="0"/>
-              </a:rPr>
-              <a:t>388</a:t>
-            </a:r>
-            <a:endParaRPr lang="en-US" sz="3500" b="1" i="1" cap="none" spc="0" dirty="0">
-              <a:ln w="18415" cmpd="sng">
-                <a:solidFill>
-                  <a:srgbClr val="FFFFFF"/>
-                </a:solidFill>
-                <a:prstDash val="solid"/>
-              </a:ln>
-              <a:solidFill>
-                <a:srgbClr val="FFFFFF"/>
-              </a:solidFill>
-              <a:effectLst>
-                <a:outerShdw blurRad="63500" dir="3600000" algn="tl" rotWithShape="0">
-                  <a:srgbClr val="000000">
-                    <a:alpha val="70000"/>
-                  </a:srgbClr>
-                </a:outerShdw>
-              </a:effectLst>
-              <a:latin typeface="VNI-Eurasia" pitchFamily="2" charset="0"/>
-            </a:endParaRPr>
-          </a:p>
-        </p:txBody>
-      </p:sp>
-      <p:sp>
-        <p:nvSpPr>
           <p:cNvPr id="5" name="Rectangle 4"/>
           <p:cNvSpPr/>
           <p:nvPr/>
@@ -2461,7 +2346,7 @@
           <a:p>
             <a:pPr algn="ctr"/>
             <a:r>
-              <a:rPr lang="en-US" sz="8800" b="1" dirty="0" smtClean="0">
+              <a:rPr lang="en-US" sz="8800" b="1" dirty="0">
                 <a:solidFill>
                   <a:srgbClr val="FFFF00"/>
                 </a:solidFill>
@@ -2476,19 +2361,6 @@
               </a:rPr>
               <a:t>HAÕY THEO TA</a:t>
             </a:r>
-            <a:endParaRPr lang="en-US" sz="8800" b="1" dirty="0">
-              <a:solidFill>
-                <a:srgbClr val="FFFF00"/>
-              </a:solidFill>
-              <a:effectLst>
-                <a:glow rad="101600">
-                  <a:schemeClr val="tx1">
-                    <a:alpha val="60000"/>
-                  </a:schemeClr>
-                </a:glow>
-              </a:effectLst>
-              <a:latin typeface="VNI-Garam" pitchFamily="34" charset="0"/>
-            </a:endParaRPr>
           </a:p>
         </p:txBody>
       </p:sp>
@@ -2497,25 +2369,18 @@
   <p:clrMapOvr>
     <a:masterClrMapping/>
   </p:clrMapOvr>
-  <mc:AlternateContent xmlns:mc="http://schemas.openxmlformats.org/markup-compatibility/2006">
-    <mc:Choice xmlns:p14="http://schemas.microsoft.com/office/powerpoint/2010/main" Requires="p14">
+  <mc:AlternateContent xmlns:mc="http://schemas.openxmlformats.org/markup-compatibility/2006" xmlns:p14="http://schemas.microsoft.com/office/powerpoint/2010/main">
+    <mc:Choice Requires="p14">
       <p:transition spd="slow" p14:dur="800">
         <p:circle/>
       </p:transition>
     </mc:Choice>
-    <mc:Fallback>
+    <mc:Fallback xmlns="">
       <p:transition spd="slow">
         <p:circle/>
       </p:transition>
     </mc:Fallback>
   </mc:AlternateContent>
-  <p:timing>
-    <p:tnLst>
-      <p:par>
-        <p:cTn id="1" dur="indefinite" restart="never" nodeType="tmRoot"/>
-      </p:par>
-    </p:tnLst>
-  </p:timing>
 </p:sld>
 </file>
 
@@ -2644,62 +2509,152 @@
                 </a:effectLst>
                 <a:latin typeface="VNI-Aptima" pitchFamily="2" charset="0"/>
               </a:rPr>
+              <a:t> con, </a:t>
+            </a:r>
+            <a:r>
+              <a:rPr lang="en-US" sz="6600" b="1" dirty="0" err="1">
+                <a:effectLst>
+                  <a:glow rad="101600">
+                    <a:schemeClr val="bg1">
+                      <a:alpha val="60000"/>
+                    </a:schemeClr>
+                  </a:glow>
+                </a:effectLst>
+                <a:latin typeface="VNI-Aptima" pitchFamily="2" charset="0"/>
+              </a:rPr>
+              <a:t>moïi</a:t>
+            </a:r>
+            <a:r>
+              <a:rPr lang="en-US" sz="6600" b="1" dirty="0">
+                <a:effectLst>
+                  <a:glow rad="101600">
+                    <a:schemeClr val="bg1">
+                      <a:alpha val="60000"/>
+                    </a:schemeClr>
+                  </a:glow>
+                </a:effectLst>
+                <a:latin typeface="VNI-Aptima" pitchFamily="2" charset="0"/>
+              </a:rPr>
+              <a:t> lo </a:t>
+            </a:r>
+            <a:br>
+              <a:rPr lang="en-US" sz="6600" b="1" dirty="0">
+                <a:effectLst>
+                  <a:glow rad="101600">
+                    <a:schemeClr val="bg1">
+                      <a:alpha val="60000"/>
+                    </a:schemeClr>
+                  </a:glow>
+                </a:effectLst>
+                <a:latin typeface="VNI-Aptima" pitchFamily="2" charset="0"/>
+              </a:rPr>
+            </a:br>
+            <a:r>
+              <a:rPr lang="en-US" sz="6600" b="1" dirty="0" err="1">
+                <a:effectLst>
+                  <a:glow rad="101600">
+                    <a:schemeClr val="bg1">
+                      <a:alpha val="60000"/>
+                    </a:schemeClr>
+                  </a:glow>
+                </a:effectLst>
+                <a:latin typeface="VNI-Aptima" pitchFamily="2" charset="0"/>
+              </a:rPr>
+              <a:t>buoàn</a:t>
+            </a:r>
+            <a:r>
+              <a:rPr lang="en-US" sz="6600" b="1" dirty="0">
+                <a:effectLst>
+                  <a:glow rad="101600">
+                    <a:schemeClr val="bg1">
+                      <a:alpha val="60000"/>
+                    </a:schemeClr>
+                  </a:glow>
+                </a:effectLst>
+                <a:latin typeface="VNI-Aptima" pitchFamily="2" charset="0"/>
+              </a:rPr>
               <a:t> </a:t>
             </a:r>
             <a:r>
-              <a:rPr lang="en-US" sz="6600" b="1" dirty="0" smtClean="0">
-                <a:effectLst>
-                  <a:glow rad="101600">
-                    <a:schemeClr val="bg1">
-                      <a:alpha val="60000"/>
-                    </a:schemeClr>
-                  </a:glow>
-                </a:effectLst>
-                <a:latin typeface="VNI-Aptima" pitchFamily="2" charset="0"/>
-              </a:rPr>
-              <a:t>con, </a:t>
-            </a:r>
-            <a:r>
-              <a:rPr lang="en-US" sz="6600" b="1" dirty="0" err="1">
-                <a:effectLst>
-                  <a:glow rad="101600">
-                    <a:schemeClr val="bg1">
-                      <a:alpha val="60000"/>
-                    </a:schemeClr>
-                  </a:glow>
-                </a:effectLst>
-                <a:latin typeface="VNI-Aptima" pitchFamily="2" charset="0"/>
-              </a:rPr>
-              <a:t>moïi</a:t>
-            </a:r>
-            <a:r>
-              <a:rPr lang="en-US" sz="6600" b="1" dirty="0">
-                <a:effectLst>
-                  <a:glow rad="101600">
-                    <a:schemeClr val="bg1">
-                      <a:alpha val="60000"/>
-                    </a:schemeClr>
-                  </a:glow>
-                </a:effectLst>
-                <a:latin typeface="VNI-Aptima" pitchFamily="2" charset="0"/>
-              </a:rPr>
-              <a:t> lo </a:t>
-            </a:r>
-            <a:r>
-              <a:rPr lang="en-US" sz="6600" b="1" dirty="0" smtClean="0">
-                <a:effectLst>
-                  <a:glow rad="101600">
-                    <a:schemeClr val="bg1">
-                      <a:alpha val="60000"/>
-                    </a:schemeClr>
-                  </a:glow>
-                </a:effectLst>
-                <a:latin typeface="VNI-Aptima" pitchFamily="2" charset="0"/>
-              </a:rPr>
-              <a:t/>
+              <a:rPr lang="en-US" sz="6600" b="1" dirty="0" err="1">
+                <a:effectLst>
+                  <a:glow rad="101600">
+                    <a:schemeClr val="bg1">
+                      <a:alpha val="60000"/>
+                    </a:schemeClr>
+                  </a:glow>
+                </a:effectLst>
+                <a:latin typeface="VNI-Aptima" pitchFamily="2" charset="0"/>
+              </a:rPr>
+              <a:t>ñem</a:t>
+            </a:r>
+            <a:r>
+              <a:rPr lang="en-US" sz="6600" b="1" dirty="0">
+                <a:effectLst>
+                  <a:glow rad="101600">
+                    <a:schemeClr val="bg1">
+                      <a:alpha val="60000"/>
+                    </a:schemeClr>
+                  </a:glow>
+                </a:effectLst>
+                <a:latin typeface="VNI-Aptima" pitchFamily="2" charset="0"/>
+              </a:rPr>
+              <a:t> </a:t>
+            </a:r>
+            <a:r>
+              <a:rPr lang="en-US" sz="6600" b="1" dirty="0" err="1">
+                <a:effectLst>
+                  <a:glow rad="101600">
+                    <a:schemeClr val="bg1">
+                      <a:alpha val="60000"/>
+                    </a:schemeClr>
+                  </a:glow>
+                </a:effectLst>
+                <a:latin typeface="VNI-Aptima" pitchFamily="2" charset="0"/>
+              </a:rPr>
+              <a:t>ñeán</a:t>
+            </a:r>
+            <a:r>
+              <a:rPr lang="en-US" sz="6600" b="1" dirty="0">
+                <a:effectLst>
+                  <a:glow rad="101600">
+                    <a:schemeClr val="bg1">
+                      <a:alpha val="60000"/>
+                    </a:schemeClr>
+                  </a:glow>
+                </a:effectLst>
+                <a:latin typeface="VNI-Aptima" pitchFamily="2" charset="0"/>
+              </a:rPr>
+              <a:t> </a:t>
+            </a:r>
+            <a:r>
+              <a:rPr lang="en-US" sz="6600" b="1" dirty="0" err="1">
+                <a:effectLst>
+                  <a:glow rad="101600">
+                    <a:schemeClr val="bg1">
+                      <a:alpha val="60000"/>
+                    </a:schemeClr>
+                  </a:glow>
+                </a:effectLst>
+                <a:latin typeface="VNI-Aptima" pitchFamily="2" charset="0"/>
+              </a:rPr>
+              <a:t>ñaây</a:t>
+            </a:r>
+            <a:r>
+              <a:rPr lang="en-US" sz="6600" b="1" dirty="0">
+                <a:effectLst>
+                  <a:glow rad="101600">
+                    <a:schemeClr val="bg1">
+                      <a:alpha val="60000"/>
+                    </a:schemeClr>
+                  </a:glow>
+                </a:effectLst>
+                <a:latin typeface="VNI-Aptima" pitchFamily="2" charset="0"/>
+              </a:rPr>
+              <a:t>,</a:t>
             </a:r>
             <a:br>
-              <a:rPr lang="en-US" sz="6600" b="1" dirty="0" smtClean="0">
+              <a:rPr lang="en-US" sz="6600" b="1" dirty="0">
                 <a:effectLst>
                   <a:glow rad="101600">
                     <a:schemeClr val="bg1">
@@ -2711,20 +2666,7 @@
               </a:rPr>
             </a:br>
             <a:r>
-              <a:rPr lang="en-US" sz="6600" b="1" dirty="0" err="1" smtClean="0">
-                <a:effectLst>
-                  <a:glow rad="101600">
-                    <a:schemeClr val="bg1">
-                      <a:alpha val="60000"/>
-                    </a:schemeClr>
-                  </a:glow>
-                </a:effectLst>
-                <a:latin typeface="VNI-Aptima" pitchFamily="2" charset="0"/>
-              </a:rPr>
-              <a:t>buoàn</a:t>
-            </a:r>
-            <a:r>
-              <a:rPr lang="en-US" sz="6600" b="1" dirty="0" smtClean="0">
+              <a:rPr lang="en-US" sz="6600" b="1" dirty="0">
                 <a:effectLst>
                   <a:glow rad="101600">
                     <a:schemeClr val="bg1">
@@ -2747,7 +2689,7 @@
                 </a:effectLst>
                 <a:latin typeface="VNI-Aptima" pitchFamily="2" charset="0"/>
               </a:rPr>
-              <a:t>ñem</a:t>
+              <a:t>Haõy</a:t>
             </a:r>
             <a:r>
               <a:rPr lang="en-US" sz="6600" b="1" dirty="0">
@@ -2773,7 +2715,33 @@
                 </a:effectLst>
                 <a:latin typeface="VNI-Aptima" pitchFamily="2" charset="0"/>
               </a:rPr>
-              <a:t>ñeán</a:t>
+              <a:t>theo</a:t>
+            </a:r>
+            <a:r>
+              <a:rPr lang="en-US" sz="6600" b="1" dirty="0">
+                <a:effectLst>
+                  <a:glow rad="101600">
+                    <a:schemeClr val="bg1">
+                      <a:alpha val="60000"/>
+                    </a:schemeClr>
+                  </a:glow>
+                </a:effectLst>
+                <a:latin typeface="VNI-Aptima" pitchFamily="2" charset="0"/>
+              </a:rPr>
+              <a:t> Ta, </a:t>
+            </a:r>
+            <a:r>
+              <a:rPr lang="en-US" sz="6600" b="1" dirty="0" err="1">
+                <a:effectLst>
+                  <a:glow rad="101600">
+                    <a:schemeClr val="bg1">
+                      <a:alpha val="60000"/>
+                    </a:schemeClr>
+                  </a:glow>
+                </a:effectLst>
+                <a:latin typeface="VNI-Aptima" pitchFamily="2" charset="0"/>
+              </a:rPr>
+              <a:t>mau</a:t>
             </a:r>
             <a:r>
               <a:rPr lang="en-US" sz="6600" b="1" dirty="0">
@@ -2799,33 +2767,34 @@
                 </a:effectLst>
                 <a:latin typeface="VNI-Aptima" pitchFamily="2" charset="0"/>
               </a:rPr>
-              <a:t>ñaây</a:t>
-            </a:r>
-            <a:r>
-              <a:rPr lang="en-US" sz="6600" b="1" dirty="0">
-                <a:effectLst>
-                  <a:glow rad="101600">
-                    <a:schemeClr val="bg1">
-                      <a:alpha val="60000"/>
-                    </a:schemeClr>
-                  </a:glow>
-                </a:effectLst>
-                <a:latin typeface="VNI-Aptima" pitchFamily="2" charset="0"/>
-              </a:rPr>
-              <a:t>,</a:t>
-            </a:r>
-            <a:br>
-              <a:rPr lang="en-US" sz="6600" b="1" dirty="0">
-                <a:effectLst>
-                  <a:glow rad="101600">
-                    <a:schemeClr val="bg1">
-                      <a:alpha val="60000"/>
-                    </a:schemeClr>
-                  </a:glow>
-                </a:effectLst>
-                <a:latin typeface="VNI-Aptima" pitchFamily="2" charset="0"/>
-              </a:rPr>
-            </a:br>
+              <a:t>ôù</a:t>
+            </a:r>
+            <a:r>
+              <a:rPr lang="en-US" sz="6600" b="1" dirty="0">
+                <a:effectLst>
+                  <a:glow rad="101600">
+                    <a:schemeClr val="bg1">
+                      <a:alpha val="60000"/>
+                    </a:schemeClr>
+                  </a:glow>
+                </a:effectLst>
+                <a:latin typeface="VNI-Aptima" pitchFamily="2" charset="0"/>
+              </a:rPr>
+              <a:t> con, </a:t>
+            </a:r>
+            <a:r>
+              <a:rPr lang="en-US" sz="6600" b="1" dirty="0" err="1">
+                <a:effectLst>
+                  <a:glow rad="101600">
+                    <a:schemeClr val="bg1">
+                      <a:alpha val="60000"/>
+                    </a:schemeClr>
+                  </a:glow>
+                </a:effectLst>
+                <a:latin typeface="VNI-Aptima" pitchFamily="2" charset="0"/>
+              </a:rPr>
+              <a:t>haõy</a:t>
+            </a:r>
             <a:r>
               <a:rPr lang="en-US" sz="6600" b="1" dirty="0">
                 <a:effectLst>
@@ -2850,32 +2819,6 @@
                 </a:effectLst>
                 <a:latin typeface="VNI-Aptima" pitchFamily="2" charset="0"/>
               </a:rPr>
-              <a:t>Haõy</a:t>
-            </a:r>
-            <a:r>
-              <a:rPr lang="en-US" sz="6600" b="1" dirty="0">
-                <a:effectLst>
-                  <a:glow rad="101600">
-                    <a:schemeClr val="bg1">
-                      <a:alpha val="60000"/>
-                    </a:schemeClr>
-                  </a:glow>
-                </a:effectLst>
-                <a:latin typeface="VNI-Aptima" pitchFamily="2" charset="0"/>
-              </a:rPr>
-              <a:t> </a:t>
-            </a:r>
-            <a:r>
-              <a:rPr lang="en-US" sz="6600" b="1" dirty="0" err="1">
-                <a:effectLst>
-                  <a:glow rad="101600">
-                    <a:schemeClr val="bg1">
-                      <a:alpha val="60000"/>
-                    </a:schemeClr>
-                  </a:glow>
-                </a:effectLst>
-                <a:latin typeface="VNI-Aptima" pitchFamily="2" charset="0"/>
-              </a:rPr>
               <a:t>theo</a:t>
             </a:r>
             <a:r>
@@ -2889,161 +2832,8 @@
                 </a:effectLst>
                 <a:latin typeface="VNI-Aptima" pitchFamily="2" charset="0"/>
               </a:rPr>
-              <a:t> </a:t>
-            </a:r>
-            <a:r>
-              <a:rPr lang="en-US" sz="6600" b="1" dirty="0" smtClean="0">
-                <a:effectLst>
-                  <a:glow rad="101600">
-                    <a:schemeClr val="bg1">
-                      <a:alpha val="60000"/>
-                    </a:schemeClr>
-                  </a:glow>
-                </a:effectLst>
-                <a:latin typeface="VNI-Aptima" pitchFamily="2" charset="0"/>
-              </a:rPr>
-              <a:t>Ta, </a:t>
-            </a:r>
-            <a:r>
-              <a:rPr lang="en-US" sz="6600" b="1" dirty="0" err="1">
-                <a:effectLst>
-                  <a:glow rad="101600">
-                    <a:schemeClr val="bg1">
-                      <a:alpha val="60000"/>
-                    </a:schemeClr>
-                  </a:glow>
-                </a:effectLst>
-                <a:latin typeface="VNI-Aptima" pitchFamily="2" charset="0"/>
-              </a:rPr>
-              <a:t>mau</a:t>
-            </a:r>
-            <a:r>
-              <a:rPr lang="en-US" sz="6600" b="1" dirty="0">
-                <a:effectLst>
-                  <a:glow rad="101600">
-                    <a:schemeClr val="bg1">
-                      <a:alpha val="60000"/>
-                    </a:schemeClr>
-                  </a:glow>
-                </a:effectLst>
-                <a:latin typeface="VNI-Aptima" pitchFamily="2" charset="0"/>
-              </a:rPr>
-              <a:t> </a:t>
-            </a:r>
-            <a:r>
-              <a:rPr lang="en-US" sz="6600" b="1" dirty="0" err="1" smtClean="0">
-                <a:effectLst>
-                  <a:glow rad="101600">
-                    <a:schemeClr val="bg1">
-                      <a:alpha val="60000"/>
-                    </a:schemeClr>
-                  </a:glow>
-                </a:effectLst>
-                <a:latin typeface="VNI-Aptima" pitchFamily="2" charset="0"/>
-              </a:rPr>
-              <a:t>ôù</a:t>
-            </a:r>
-            <a:r>
-              <a:rPr lang="en-US" sz="6600" b="1" dirty="0" smtClean="0">
-                <a:effectLst>
-                  <a:glow rad="101600">
-                    <a:schemeClr val="bg1">
-                      <a:alpha val="60000"/>
-                    </a:schemeClr>
-                  </a:glow>
-                </a:effectLst>
-                <a:latin typeface="VNI-Aptima" pitchFamily="2" charset="0"/>
-              </a:rPr>
-              <a:t> </a:t>
-            </a:r>
-            <a:r>
-              <a:rPr lang="en-US" sz="6600" b="1" dirty="0">
-                <a:effectLst>
-                  <a:glow rad="101600">
-                    <a:schemeClr val="bg1">
-                      <a:alpha val="60000"/>
-                    </a:schemeClr>
-                  </a:glow>
-                </a:effectLst>
-                <a:latin typeface="VNI-Aptima" pitchFamily="2" charset="0"/>
-              </a:rPr>
-              <a:t>con, </a:t>
-            </a:r>
-            <a:r>
-              <a:rPr lang="en-US" sz="6600" b="1" dirty="0" err="1">
-                <a:effectLst>
-                  <a:glow rad="101600">
-                    <a:schemeClr val="bg1">
-                      <a:alpha val="60000"/>
-                    </a:schemeClr>
-                  </a:glow>
-                </a:effectLst>
-                <a:latin typeface="VNI-Aptima" pitchFamily="2" charset="0"/>
-              </a:rPr>
-              <a:t>haõy</a:t>
-            </a:r>
-            <a:r>
-              <a:rPr lang="en-US" sz="6600" b="1" dirty="0">
-                <a:effectLst>
-                  <a:glow rad="101600">
-                    <a:schemeClr val="bg1">
-                      <a:alpha val="60000"/>
-                    </a:schemeClr>
-                  </a:glow>
-                </a:effectLst>
-                <a:latin typeface="VNI-Aptima" pitchFamily="2" charset="0"/>
-              </a:rPr>
-              <a:t> </a:t>
-            </a:r>
-            <a:r>
-              <a:rPr lang="en-US" sz="6600" b="1" dirty="0" err="1">
-                <a:effectLst>
-                  <a:glow rad="101600">
-                    <a:schemeClr val="bg1">
-                      <a:alpha val="60000"/>
-                    </a:schemeClr>
-                  </a:glow>
-                </a:effectLst>
-                <a:latin typeface="VNI-Aptima" pitchFamily="2" charset="0"/>
-              </a:rPr>
-              <a:t>theo</a:t>
-            </a:r>
-            <a:r>
-              <a:rPr lang="en-US" sz="6600" b="1" dirty="0">
-                <a:effectLst>
-                  <a:glow rad="101600">
-                    <a:schemeClr val="bg1">
-                      <a:alpha val="60000"/>
-                    </a:schemeClr>
-                  </a:glow>
-                </a:effectLst>
-                <a:latin typeface="VNI-Aptima" pitchFamily="2" charset="0"/>
-              </a:rPr>
-              <a:t> </a:t>
-            </a:r>
-            <a:r>
-              <a:rPr lang="en-US" sz="6600" b="1" dirty="0" smtClean="0">
-                <a:effectLst>
-                  <a:glow rad="101600">
-                    <a:schemeClr val="bg1">
-                      <a:alpha val="60000"/>
-                    </a:schemeClr>
-                  </a:glow>
-                </a:effectLst>
-                <a:latin typeface="VNI-Aptima" pitchFamily="2" charset="0"/>
-              </a:rPr>
-              <a:t>Ta. </a:t>
-            </a:r>
-            <a:endParaRPr lang="en-US" sz="6600" b="1" dirty="0">
-              <a:effectLst>
-                <a:glow rad="101600">
-                  <a:schemeClr val="bg1">
-                    <a:alpha val="60000"/>
-                  </a:schemeClr>
-                </a:glow>
-              </a:effectLst>
-              <a:latin typeface="VNI-Aptima" pitchFamily="2" charset="0"/>
-            </a:endParaRPr>
+              <a:t> Ta. </a:t>
+            </a:r>
           </a:p>
         </p:txBody>
       </p:sp>
@@ -3090,10 +2880,10 @@
                 </a:effectLst>
                 <a:latin typeface="VNI-Garam" pitchFamily="34" charset="0"/>
               </a:rPr>
-              <a:t>THAÙNH CA </a:t>
-            </a:r>
-            <a:r>
-              <a:rPr lang="en-US" sz="3500" b="1" dirty="0" smtClean="0">
+              <a:t>THAÙNH CA 388 – </a:t>
+            </a:r>
+            <a:r>
+              <a:rPr lang="sv-SE" sz="3500" b="1" dirty="0">
                 <a:solidFill>
                   <a:srgbClr val="002060"/>
                 </a:solidFill>
@@ -3106,37 +2896,8 @@
                 </a:effectLst>
                 <a:latin typeface="VNI-Garam" pitchFamily="34" charset="0"/>
               </a:rPr>
-              <a:t>388 – </a:t>
-            </a:r>
-            <a:r>
-              <a:rPr lang="sv-SE" sz="3500" b="1" dirty="0" smtClean="0">
-                <a:solidFill>
-                  <a:srgbClr val="002060"/>
-                </a:solidFill>
-                <a:effectLst>
-                  <a:glow rad="101600">
-                    <a:prstClr val="white">
-                      <a:alpha val="60000"/>
-                    </a:prstClr>
-                  </a:glow>
-                </a:effectLst>
-                <a:latin typeface="VNI-Garam" pitchFamily="34" charset="0"/>
-              </a:rPr>
               <a:t>HAÕY THEO TA</a:t>
             </a:r>
-            <a:endParaRPr lang="sv-SE" sz="3500" b="1" dirty="0">
-              <a:solidFill>
-                <a:srgbClr val="002060"/>
-              </a:solidFill>
-              <a:effectLst>
-                <a:glow rad="101600">
-                  <a:prstClr val="white">
-                    <a:alpha val="60000"/>
-                  </a:prstClr>
-                </a:glow>
-              </a:effectLst>
-              <a:latin typeface="VNI-Garam" pitchFamily="34" charset="0"/>
-            </a:endParaRPr>
           </a:p>
         </p:txBody>
       </p:sp>
@@ -3205,25 +2966,18 @@
   <p:clrMapOvr>
     <a:masterClrMapping/>
   </p:clrMapOvr>
-  <mc:AlternateContent xmlns:mc="http://schemas.openxmlformats.org/markup-compatibility/2006">
-    <mc:Choice xmlns:p14="http://schemas.microsoft.com/office/powerpoint/2010/main" Requires="p14">
+  <mc:AlternateContent xmlns:mc="http://schemas.openxmlformats.org/markup-compatibility/2006" xmlns:p14="http://schemas.microsoft.com/office/powerpoint/2010/main">
+    <mc:Choice Requires="p14">
       <p:transition spd="med" p14:dur="700">
         <p:fade/>
       </p:transition>
     </mc:Choice>
-    <mc:Fallback>
+    <mc:Fallback xmlns="">
       <p:transition spd="med">
         <p:fade/>
       </p:transition>
     </mc:Fallback>
   </mc:AlternateContent>
-  <p:timing>
-    <p:tnLst>
-      <p:par>
-        <p:cTn id="1" dur="indefinite" restart="never" nodeType="tmRoot"/>
-      </p:par>
-    </p:tnLst>
-  </p:timing>
 </p:sld>
 </file>
 
@@ -3283,23 +3037,36 @@
                 </a:effectLst>
                 <a:latin typeface="VNI-Aptima" pitchFamily="2" charset="0"/>
               </a:rPr>
-              <a:t>Ñ</a:t>
-            </a:r>
-            <a:r>
-              <a:rPr lang="en-US" sz="6600" b="1" dirty="0" err="1" smtClean="0">
-                <a:effectLst>
-                  <a:glow rad="101600">
-                    <a:schemeClr val="bg1">
-                      <a:alpha val="60000"/>
-                    </a:schemeClr>
-                  </a:glow>
-                </a:effectLst>
-                <a:latin typeface="VNI-Aptima" pitchFamily="2" charset="0"/>
-              </a:rPr>
-              <a:t>ôøi</a:t>
-            </a:r>
-            <a:r>
-              <a:rPr lang="en-US" sz="6600" b="1" dirty="0" smtClean="0">
+              <a:t>Ñôøi</a:t>
+            </a:r>
+            <a:r>
+              <a:rPr lang="en-US" sz="6600" b="1" dirty="0">
+                <a:effectLst>
+                  <a:glow rad="101600">
+                    <a:schemeClr val="bg1">
+                      <a:alpha val="60000"/>
+                    </a:schemeClr>
+                  </a:glow>
+                </a:effectLst>
+                <a:latin typeface="VNI-Aptima" pitchFamily="2" charset="0"/>
+              </a:rPr>
+              <a:t> con </a:t>
+            </a:r>
+            <a:r>
+              <a:rPr lang="en-US" sz="6600" b="1" dirty="0" err="1">
+                <a:effectLst>
+                  <a:glow rad="101600">
+                    <a:schemeClr val="bg1">
+                      <a:alpha val="60000"/>
+                    </a:schemeClr>
+                  </a:glow>
+                </a:effectLst>
+                <a:latin typeface="VNI-Aptima" pitchFamily="2" charset="0"/>
+              </a:rPr>
+              <a:t>naëng</a:t>
+            </a:r>
+            <a:r>
+              <a:rPr lang="en-US" sz="6600" b="1" dirty="0">
                 <a:effectLst>
                   <a:glow rad="101600">
                     <a:schemeClr val="bg1">
@@ -3312,30 +3079,69 @@
               <a:t> </a:t>
             </a:r>
             <a:r>
-              <a:rPr lang="en-US" sz="6600" b="1" dirty="0">
-                <a:effectLst>
-                  <a:glow rad="101600">
-                    <a:schemeClr val="bg1">
-                      <a:alpha val="60000"/>
-                    </a:schemeClr>
-                  </a:glow>
-                </a:effectLst>
-                <a:latin typeface="VNI-Aptima" pitchFamily="2" charset="0"/>
-              </a:rPr>
-              <a:t>con </a:t>
-            </a:r>
-            <a:r>
-              <a:rPr lang="en-US" sz="6600" b="1" dirty="0" err="1">
-                <a:effectLst>
-                  <a:glow rad="101600">
-                    <a:schemeClr val="bg1">
-                      <a:alpha val="60000"/>
-                    </a:schemeClr>
-                  </a:glow>
-                </a:effectLst>
-                <a:latin typeface="VNI-Aptima" pitchFamily="2" charset="0"/>
-              </a:rPr>
-              <a:t>naëng</a:t>
+              <a:rPr lang="en-US" sz="6600" b="1" dirty="0" err="1">
+                <a:effectLst>
+                  <a:glow rad="101600">
+                    <a:schemeClr val="bg1">
+                      <a:alpha val="60000"/>
+                    </a:schemeClr>
+                  </a:glow>
+                </a:effectLst>
+                <a:latin typeface="VNI-Aptima" pitchFamily="2" charset="0"/>
+              </a:rPr>
+              <a:t>chaêng</a:t>
+            </a:r>
+            <a:r>
+              <a:rPr lang="en-US" sz="6600" b="1" dirty="0">
+                <a:effectLst>
+                  <a:glow rad="101600">
+                    <a:schemeClr val="bg1">
+                      <a:alpha val="60000"/>
+                    </a:schemeClr>
+                  </a:glow>
+                </a:effectLst>
+                <a:latin typeface="VNI-Aptima" pitchFamily="2" charset="0"/>
+              </a:rPr>
+              <a:t>, </a:t>
+            </a:r>
+            <a:r>
+              <a:rPr lang="en-US" sz="6600" b="1" dirty="0" err="1">
+                <a:effectLst>
+                  <a:glow rad="101600">
+                    <a:schemeClr val="bg1">
+                      <a:alpha val="60000"/>
+                    </a:schemeClr>
+                  </a:glow>
+                </a:effectLst>
+                <a:latin typeface="VNI-Aptima" pitchFamily="2" charset="0"/>
+              </a:rPr>
+              <a:t>nhôø</a:t>
+            </a:r>
+            <a:r>
+              <a:rPr lang="en-US" sz="6600" b="1" dirty="0">
+                <a:effectLst>
+                  <a:glow rad="101600">
+                    <a:schemeClr val="bg1">
+                      <a:alpha val="60000"/>
+                    </a:schemeClr>
+                  </a:glow>
+                </a:effectLst>
+                <a:latin typeface="VNI-Aptima" pitchFamily="2" charset="0"/>
+              </a:rPr>
+              <a:t> Ta </a:t>
+            </a:r>
+            <a:r>
+              <a:rPr lang="en-US" sz="6600" b="1" dirty="0" err="1">
+                <a:effectLst>
+                  <a:glow rad="101600">
+                    <a:schemeClr val="bg1">
+                      <a:alpha val="60000"/>
+                    </a:schemeClr>
+                  </a:glow>
+                </a:effectLst>
+                <a:latin typeface="VNI-Aptima" pitchFamily="2" charset="0"/>
+              </a:rPr>
+              <a:t>gaùnh</a:t>
             </a:r>
             <a:r>
               <a:rPr lang="en-US" sz="6600" b="1" dirty="0">
@@ -3351,20 +3157,20 @@
               <a:t> </a:t>
             </a:r>
             <a:r>
-              <a:rPr lang="en-US" sz="6600" b="1" dirty="0" err="1" smtClean="0">
-                <a:effectLst>
-                  <a:glow rad="101600">
-                    <a:schemeClr val="bg1">
-                      <a:alpha val="60000"/>
-                    </a:schemeClr>
-                  </a:glow>
-                </a:effectLst>
-                <a:latin typeface="VNI-Aptima" pitchFamily="2" charset="0"/>
-              </a:rPr>
-              <a:t>chaêng</a:t>
-            </a:r>
-            <a:r>
-              <a:rPr lang="en-US" sz="6600" b="1" dirty="0" smtClean="0">
+              <a:rPr lang="en-US" sz="6600" b="1" dirty="0" err="1">
+                <a:effectLst>
+                  <a:glow rad="101600">
+                    <a:schemeClr val="bg1">
+                      <a:alpha val="60000"/>
+                    </a:schemeClr>
+                  </a:glow>
+                </a:effectLst>
+                <a:latin typeface="VNI-Aptima" pitchFamily="2" charset="0"/>
+              </a:rPr>
+              <a:t>thay</a:t>
+            </a:r>
+            <a:r>
+              <a:rPr lang="en-US" sz="6600" b="1" dirty="0">
                 <a:effectLst>
                   <a:glow rad="101600">
                     <a:schemeClr val="bg1">
@@ -3376,47 +3182,33 @@
               </a:rPr>
               <a:t>, </a:t>
             </a:r>
-            <a:r>
-              <a:rPr lang="en-US" sz="6600" b="1" dirty="0" err="1">
-                <a:effectLst>
-                  <a:glow rad="101600">
-                    <a:schemeClr val="bg1">
-                      <a:alpha val="60000"/>
-                    </a:schemeClr>
-                  </a:glow>
-                </a:effectLst>
-                <a:latin typeface="VNI-Aptima" pitchFamily="2" charset="0"/>
-              </a:rPr>
-              <a:t>nhôø</a:t>
-            </a:r>
-            <a:r>
-              <a:rPr lang="en-US" sz="6600" b="1" dirty="0">
-                <a:effectLst>
-                  <a:glow rad="101600">
-                    <a:schemeClr val="bg1">
-                      <a:alpha val="60000"/>
-                    </a:schemeClr>
-                  </a:glow>
-                </a:effectLst>
-                <a:latin typeface="VNI-Aptima" pitchFamily="2" charset="0"/>
-              </a:rPr>
-              <a:t> Ta </a:t>
-            </a:r>
-            <a:r>
-              <a:rPr lang="en-US" sz="6600" b="1" dirty="0" err="1" smtClean="0">
-                <a:effectLst>
-                  <a:glow rad="101600">
-                    <a:schemeClr val="bg1">
-                      <a:alpha val="60000"/>
-                    </a:schemeClr>
-                  </a:glow>
-                </a:effectLst>
-                <a:latin typeface="VNI-Aptima" pitchFamily="2" charset="0"/>
-              </a:rPr>
-              <a:t>gaùnh</a:t>
-            </a:r>
-            <a:r>
-              <a:rPr lang="en-US" sz="6600" b="1" dirty="0" smtClean="0">
+            <a:br>
+              <a:rPr lang="en-US" sz="6600" b="1" dirty="0">
+                <a:effectLst>
+                  <a:glow rad="101600">
+                    <a:schemeClr val="bg1">
+                      <a:alpha val="60000"/>
+                    </a:schemeClr>
+                  </a:glow>
+                </a:effectLst>
+                <a:latin typeface="VNI-Aptima" pitchFamily="2" charset="0"/>
+              </a:rPr>
+            </a:br>
+            <a:r>
+              <a:rPr lang="en-US" sz="6600" b="1" dirty="0" err="1">
+                <a:effectLst>
+                  <a:glow rad="101600">
+                    <a:schemeClr val="bg1">
+                      <a:alpha val="60000"/>
+                    </a:schemeClr>
+                  </a:glow>
+                </a:effectLst>
+                <a:latin typeface="VNI-Aptima" pitchFamily="2" charset="0"/>
+              </a:rPr>
+              <a:t>Haõy</a:t>
+            </a:r>
+            <a:r>
+              <a:rPr lang="en-US" sz="6600" b="1" dirty="0">
                 <a:effectLst>
                   <a:glow rad="101600">
                     <a:schemeClr val="bg1">
@@ -3429,33 +3221,46 @@
               <a:t> </a:t>
             </a:r>
             <a:r>
-              <a:rPr lang="en-US" sz="6600" b="1" dirty="0" err="1" smtClean="0">
-                <a:effectLst>
-                  <a:glow rad="101600">
-                    <a:schemeClr val="bg1">
-                      <a:alpha val="60000"/>
-                    </a:schemeClr>
-                  </a:glow>
-                </a:effectLst>
-                <a:latin typeface="VNI-Aptima" pitchFamily="2" charset="0"/>
-              </a:rPr>
-              <a:t>thay</a:t>
-            </a:r>
-            <a:r>
-              <a:rPr lang="en-US" sz="6600" b="1" dirty="0">
-                <a:effectLst>
-                  <a:glow rad="101600">
-                    <a:schemeClr val="bg1">
-                      <a:alpha val="60000"/>
-                    </a:schemeClr>
-                  </a:glow>
-                </a:effectLst>
-                <a:latin typeface="VNI-Aptima" pitchFamily="2" charset="0"/>
-              </a:rPr>
-              <a:t>,</a:t>
-            </a:r>
-            <a:r>
-              <a:rPr lang="en-US" sz="6600" b="1" dirty="0" smtClean="0">
+              <a:rPr lang="en-US" sz="6600" b="1" dirty="0" err="1">
+                <a:effectLst>
+                  <a:glow rad="101600">
+                    <a:schemeClr val="bg1">
+                      <a:alpha val="60000"/>
+                    </a:schemeClr>
+                  </a:glow>
+                </a:effectLst>
+                <a:latin typeface="VNI-Aptima" pitchFamily="2" charset="0"/>
+              </a:rPr>
+              <a:t>theo</a:t>
+            </a:r>
+            <a:r>
+              <a:rPr lang="en-US" sz="6600" b="1" dirty="0">
+                <a:effectLst>
+                  <a:glow rad="101600">
+                    <a:schemeClr val="bg1">
+                      <a:alpha val="60000"/>
+                    </a:schemeClr>
+                  </a:glow>
+                </a:effectLst>
+                <a:latin typeface="VNI-Aptima" pitchFamily="2" charset="0"/>
+              </a:rPr>
+              <a:t> Ta, </a:t>
+            </a:r>
+            <a:r>
+              <a:rPr lang="en-US" sz="6600" b="1" dirty="0" err="1">
+                <a:effectLst>
+                  <a:glow rad="101600">
+                    <a:schemeClr val="bg1">
+                      <a:alpha val="60000"/>
+                    </a:schemeClr>
+                  </a:glow>
+                </a:effectLst>
+                <a:latin typeface="VNI-Aptima" pitchFamily="2" charset="0"/>
+              </a:rPr>
+              <a:t>mau</a:t>
+            </a:r>
+            <a:r>
+              <a:rPr lang="en-US" sz="6600" b="1" dirty="0">
                 <a:effectLst>
                   <a:glow rad="101600">
                     <a:schemeClr val="bg1">
@@ -3467,33 +3272,47 @@
               </a:rPr>
               <a:t> </a:t>
             </a:r>
-            <a:br>
-              <a:rPr lang="en-US" sz="6600" b="1" dirty="0" smtClean="0">
-                <a:effectLst>
-                  <a:glow rad="101600">
-                    <a:schemeClr val="bg1">
-                      <a:alpha val="60000"/>
-                    </a:schemeClr>
-                  </a:glow>
-                </a:effectLst>
-                <a:latin typeface="VNI-Aptima" pitchFamily="2" charset="0"/>
-              </a:rPr>
-            </a:br>
-            <a:r>
-              <a:rPr lang="en-US" sz="6600" b="1" dirty="0" err="1" smtClean="0">
-                <a:effectLst>
-                  <a:glow rad="101600">
-                    <a:schemeClr val="bg1">
-                      <a:alpha val="60000"/>
-                    </a:schemeClr>
-                  </a:glow>
-                </a:effectLst>
-                <a:latin typeface="VNI-Aptima" pitchFamily="2" charset="0"/>
-              </a:rPr>
-              <a:t>Haõy</a:t>
-            </a:r>
-            <a:r>
-              <a:rPr lang="en-US" sz="6600" b="1" dirty="0" smtClean="0">
+            <a:r>
+              <a:rPr lang="en-US" sz="6600" b="1" dirty="0" err="1">
+                <a:effectLst>
+                  <a:glow rad="101600">
+                    <a:schemeClr val="bg1">
+                      <a:alpha val="60000"/>
+                    </a:schemeClr>
+                  </a:glow>
+                </a:effectLst>
+                <a:latin typeface="VNI-Aptima" pitchFamily="2" charset="0"/>
+              </a:rPr>
+              <a:t>ôù</a:t>
+            </a:r>
+            <a:r>
+              <a:rPr lang="en-US" sz="6600" b="1" dirty="0">
+                <a:effectLst>
+                  <a:glow rad="101600">
+                    <a:schemeClr val="bg1">
+                      <a:alpha val="60000"/>
+                    </a:schemeClr>
+                  </a:glow>
+                </a:effectLst>
+                <a:latin typeface="VNI-Aptima" pitchFamily="2" charset="0"/>
+              </a:rPr>
+              <a:t> con, </a:t>
+            </a:r>
+            <a:r>
+              <a:rPr lang="en-US" sz="6600" b="1" dirty="0" err="1">
+                <a:effectLst>
+                  <a:glow rad="101600">
+                    <a:schemeClr val="bg1">
+                      <a:alpha val="60000"/>
+                    </a:schemeClr>
+                  </a:glow>
+                </a:effectLst>
+                <a:latin typeface="VNI-Aptima" pitchFamily="2" charset="0"/>
+              </a:rPr>
+              <a:t>haõy</a:t>
+            </a:r>
+            <a:r>
+              <a:rPr lang="en-US" sz="6600" b="1" dirty="0">
                 <a:effectLst>
                   <a:glow rad="101600">
                     <a:schemeClr val="bg1">
@@ -3529,161 +3348,8 @@
                 </a:effectLst>
                 <a:latin typeface="VNI-Aptima" pitchFamily="2" charset="0"/>
               </a:rPr>
-              <a:t> </a:t>
-            </a:r>
-            <a:r>
-              <a:rPr lang="en-US" sz="6600" b="1" dirty="0" smtClean="0">
-                <a:effectLst>
-                  <a:glow rad="101600">
-                    <a:schemeClr val="bg1">
-                      <a:alpha val="60000"/>
-                    </a:schemeClr>
-                  </a:glow>
-                </a:effectLst>
-                <a:latin typeface="VNI-Aptima" pitchFamily="2" charset="0"/>
-              </a:rPr>
-              <a:t>Ta, </a:t>
-            </a:r>
-            <a:r>
-              <a:rPr lang="en-US" sz="6600" b="1" dirty="0" err="1">
-                <a:effectLst>
-                  <a:glow rad="101600">
-                    <a:schemeClr val="bg1">
-                      <a:alpha val="60000"/>
-                    </a:schemeClr>
-                  </a:glow>
-                </a:effectLst>
-                <a:latin typeface="VNI-Aptima" pitchFamily="2" charset="0"/>
-              </a:rPr>
-              <a:t>mau</a:t>
-            </a:r>
-            <a:r>
-              <a:rPr lang="en-US" sz="6600" b="1" dirty="0">
-                <a:effectLst>
-                  <a:glow rad="101600">
-                    <a:schemeClr val="bg1">
-                      <a:alpha val="60000"/>
-                    </a:schemeClr>
-                  </a:glow>
-                </a:effectLst>
-                <a:latin typeface="VNI-Aptima" pitchFamily="2" charset="0"/>
-              </a:rPr>
-              <a:t> </a:t>
-            </a:r>
-            <a:r>
-              <a:rPr lang="en-US" sz="6600" b="1" dirty="0" err="1" smtClean="0">
-                <a:effectLst>
-                  <a:glow rad="101600">
-                    <a:schemeClr val="bg1">
-                      <a:alpha val="60000"/>
-                    </a:schemeClr>
-                  </a:glow>
-                </a:effectLst>
-                <a:latin typeface="VNI-Aptima" pitchFamily="2" charset="0"/>
-              </a:rPr>
-              <a:t>ôù</a:t>
-            </a:r>
-            <a:r>
-              <a:rPr lang="en-US" sz="6600" b="1" dirty="0" smtClean="0">
-                <a:effectLst>
-                  <a:glow rad="101600">
-                    <a:schemeClr val="bg1">
-                      <a:alpha val="60000"/>
-                    </a:schemeClr>
-                  </a:glow>
-                </a:effectLst>
-                <a:latin typeface="VNI-Aptima" pitchFamily="2" charset="0"/>
-              </a:rPr>
-              <a:t> </a:t>
-            </a:r>
-            <a:r>
-              <a:rPr lang="en-US" sz="6600" b="1" dirty="0">
-                <a:effectLst>
-                  <a:glow rad="101600">
-                    <a:schemeClr val="bg1">
-                      <a:alpha val="60000"/>
-                    </a:schemeClr>
-                  </a:glow>
-                </a:effectLst>
-                <a:latin typeface="VNI-Aptima" pitchFamily="2" charset="0"/>
-              </a:rPr>
-              <a:t>con, </a:t>
-            </a:r>
-            <a:r>
-              <a:rPr lang="en-US" sz="6600" b="1" dirty="0" err="1">
-                <a:effectLst>
-                  <a:glow rad="101600">
-                    <a:schemeClr val="bg1">
-                      <a:alpha val="60000"/>
-                    </a:schemeClr>
-                  </a:glow>
-                </a:effectLst>
-                <a:latin typeface="VNI-Aptima" pitchFamily="2" charset="0"/>
-              </a:rPr>
-              <a:t>haõy</a:t>
-            </a:r>
-            <a:r>
-              <a:rPr lang="en-US" sz="6600" b="1" dirty="0">
-                <a:effectLst>
-                  <a:glow rad="101600">
-                    <a:schemeClr val="bg1">
-                      <a:alpha val="60000"/>
-                    </a:schemeClr>
-                  </a:glow>
-                </a:effectLst>
-                <a:latin typeface="VNI-Aptima" pitchFamily="2" charset="0"/>
-              </a:rPr>
-              <a:t> </a:t>
-            </a:r>
-            <a:r>
-              <a:rPr lang="en-US" sz="6600" b="1" dirty="0" err="1">
-                <a:effectLst>
-                  <a:glow rad="101600">
-                    <a:schemeClr val="bg1">
-                      <a:alpha val="60000"/>
-                    </a:schemeClr>
-                  </a:glow>
-                </a:effectLst>
-                <a:latin typeface="VNI-Aptima" pitchFamily="2" charset="0"/>
-              </a:rPr>
-              <a:t>theo</a:t>
-            </a:r>
-            <a:r>
-              <a:rPr lang="en-US" sz="6600" b="1" dirty="0">
-                <a:effectLst>
-                  <a:glow rad="101600">
-                    <a:schemeClr val="bg1">
-                      <a:alpha val="60000"/>
-                    </a:schemeClr>
-                  </a:glow>
-                </a:effectLst>
-                <a:latin typeface="VNI-Aptima" pitchFamily="2" charset="0"/>
-              </a:rPr>
-              <a:t> </a:t>
-            </a:r>
-            <a:r>
-              <a:rPr lang="en-US" sz="6600" b="1" dirty="0" smtClean="0">
-                <a:effectLst>
-                  <a:glow rad="101600">
-                    <a:schemeClr val="bg1">
-                      <a:alpha val="60000"/>
-                    </a:schemeClr>
-                  </a:glow>
-                </a:effectLst>
-                <a:latin typeface="VNI-Aptima" pitchFamily="2" charset="0"/>
-              </a:rPr>
-              <a:t>Ta. </a:t>
-            </a:r>
-            <a:endParaRPr lang="en-US" sz="6600" b="1" dirty="0">
-              <a:effectLst>
-                <a:glow rad="101600">
-                  <a:schemeClr val="bg1">
-                    <a:alpha val="60000"/>
-                  </a:schemeClr>
-                </a:glow>
-              </a:effectLst>
-              <a:latin typeface="VNI-Aptima" pitchFamily="2" charset="0"/>
-            </a:endParaRPr>
+              <a:t> Ta. </a:t>
+            </a:r>
           </a:p>
         </p:txBody>
       </p:sp>
@@ -3754,10 +3420,10 @@
                 </a:effectLst>
                 <a:latin typeface="VNI-Garam" pitchFamily="34" charset="0"/>
               </a:rPr>
-              <a:t>THAÙNH CA </a:t>
-            </a:r>
-            <a:r>
-              <a:rPr lang="en-US" sz="3500" b="1" dirty="0" smtClean="0">
+              <a:t>THAÙNH CA 388 – </a:t>
+            </a:r>
+            <a:r>
+              <a:rPr lang="sv-SE" sz="3500" b="1" dirty="0">
                 <a:solidFill>
                   <a:srgbClr val="002060"/>
                 </a:solidFill>
@@ -3770,37 +3436,8 @@
                 </a:effectLst>
                 <a:latin typeface="VNI-Garam" pitchFamily="34" charset="0"/>
               </a:rPr>
-              <a:t>388 – </a:t>
-            </a:r>
-            <a:r>
-              <a:rPr lang="sv-SE" sz="3500" b="1" dirty="0" smtClean="0">
-                <a:solidFill>
-                  <a:srgbClr val="002060"/>
-                </a:solidFill>
-                <a:effectLst>
-                  <a:glow rad="101600">
-                    <a:prstClr val="white">
-                      <a:alpha val="60000"/>
-                    </a:prstClr>
-                  </a:glow>
-                </a:effectLst>
-                <a:latin typeface="VNI-Garam" pitchFamily="34" charset="0"/>
-              </a:rPr>
               <a:t>HAÕY THEO TA</a:t>
             </a:r>
-            <a:endParaRPr lang="sv-SE" sz="3500" b="1" dirty="0">
-              <a:solidFill>
-                <a:srgbClr val="002060"/>
-              </a:solidFill>
-              <a:effectLst>
-                <a:glow rad="101600">
-                  <a:prstClr val="white">
-                    <a:alpha val="60000"/>
-                  </a:prstClr>
-                </a:glow>
-              </a:effectLst>
-              <a:latin typeface="VNI-Garam" pitchFamily="34" charset="0"/>
-            </a:endParaRPr>
           </a:p>
         </p:txBody>
       </p:sp>
@@ -3877,13 +3514,6 @@
       <p:transition/>
     </mc:Fallback>
   </mc:AlternateContent>
-  <p:timing>
-    <p:tnLst>
-      <p:par>
-        <p:cTn id="1" dur="indefinite" restart="never" nodeType="tmRoot"/>
-      </p:par>
-    </p:tnLst>
-  </p:timing>
 </p:sld>
 </file>
 
@@ -3995,23 +3625,204 @@
                 </a:effectLst>
                 <a:latin typeface="VNI-Aptima" pitchFamily="2" charset="0"/>
               </a:rPr>
+              <a:t> chi </a:t>
+            </a:r>
+            <a:br>
+              <a:rPr lang="en-US" sz="6600" b="1" dirty="0">
+                <a:effectLst>
+                  <a:glow rad="101600">
+                    <a:schemeClr val="bg1">
+                      <a:alpha val="60000"/>
+                    </a:schemeClr>
+                  </a:glow>
+                </a:effectLst>
+                <a:latin typeface="VNI-Aptima" pitchFamily="2" charset="0"/>
+              </a:rPr>
+            </a:br>
+            <a:r>
+              <a:rPr lang="en-US" sz="6600" b="1" dirty="0" err="1">
+                <a:effectLst>
+                  <a:glow rad="101600">
+                    <a:schemeClr val="bg1">
+                      <a:alpha val="60000"/>
+                    </a:schemeClr>
+                  </a:glow>
+                </a:effectLst>
+                <a:latin typeface="VNI-Aptima" pitchFamily="2" charset="0"/>
+              </a:rPr>
+              <a:t>haõy</a:t>
+            </a:r>
+            <a:r>
+              <a:rPr lang="en-US" sz="6600" b="1" dirty="0">
+                <a:effectLst>
+                  <a:glow rad="101600">
+                    <a:schemeClr val="bg1">
+                      <a:alpha val="60000"/>
+                    </a:schemeClr>
+                  </a:glow>
+                </a:effectLst>
+                <a:latin typeface="VNI-Aptima" pitchFamily="2" charset="0"/>
+              </a:rPr>
               <a:t> </a:t>
             </a:r>
             <a:r>
-              <a:rPr lang="en-US" sz="6600" b="1" dirty="0" smtClean="0">
-                <a:effectLst>
-                  <a:glow rad="101600">
-                    <a:schemeClr val="bg1">
-                      <a:alpha val="60000"/>
-                    </a:schemeClr>
-                  </a:glow>
-                </a:effectLst>
-                <a:latin typeface="VNI-Aptima" pitchFamily="2" charset="0"/>
-              </a:rPr>
-              <a:t>chi </a:t>
+              <a:rPr lang="en-US" sz="6600" b="1" dirty="0" err="1">
+                <a:effectLst>
+                  <a:glow rad="101600">
+                    <a:schemeClr val="bg1">
+                      <a:alpha val="60000"/>
+                    </a:schemeClr>
+                  </a:glow>
+                </a:effectLst>
+                <a:latin typeface="VNI-Aptima" pitchFamily="2" charset="0"/>
+              </a:rPr>
+              <a:t>nöông</a:t>
+            </a:r>
+            <a:r>
+              <a:rPr lang="en-US" sz="6600" b="1" dirty="0">
+                <a:effectLst>
+                  <a:glow rad="101600">
+                    <a:schemeClr val="bg1">
+                      <a:alpha val="60000"/>
+                    </a:schemeClr>
+                  </a:glow>
+                </a:effectLst>
+                <a:latin typeface="VNI-Aptima" pitchFamily="2" charset="0"/>
+              </a:rPr>
+              <a:t> </a:t>
+            </a:r>
+            <a:r>
+              <a:rPr lang="en-US" sz="6600" b="1" dirty="0" err="1">
+                <a:effectLst>
+                  <a:glow rad="101600">
+                    <a:schemeClr val="bg1">
+                      <a:alpha val="60000"/>
+                    </a:schemeClr>
+                  </a:glow>
+                </a:effectLst>
+                <a:latin typeface="VNI-Aptima" pitchFamily="2" charset="0"/>
+              </a:rPr>
+              <a:t>ngöïc</a:t>
+            </a:r>
+            <a:r>
+              <a:rPr lang="en-US" sz="6600" b="1" dirty="0">
+                <a:effectLst>
+                  <a:glow rad="101600">
+                    <a:schemeClr val="bg1">
+                      <a:alpha val="60000"/>
+                    </a:schemeClr>
+                  </a:glow>
+                </a:effectLst>
+                <a:latin typeface="VNI-Aptima" pitchFamily="2" charset="0"/>
+              </a:rPr>
+              <a:t> </a:t>
+            </a:r>
+            <a:r>
+              <a:rPr lang="en-US" sz="6600" b="1" dirty="0" err="1">
+                <a:effectLst>
+                  <a:glow rad="101600">
+                    <a:schemeClr val="bg1">
+                      <a:alpha val="60000"/>
+                    </a:schemeClr>
+                  </a:glow>
+                </a:effectLst>
+                <a:latin typeface="VNI-Aptima" pitchFamily="2" charset="0"/>
+              </a:rPr>
+              <a:t>naày</a:t>
+            </a:r>
+            <a:r>
+              <a:rPr lang="en-US" sz="6600" b="1" dirty="0">
+                <a:effectLst>
+                  <a:glow rad="101600">
+                    <a:schemeClr val="bg1">
+                      <a:alpha val="60000"/>
+                    </a:schemeClr>
+                  </a:glow>
+                </a:effectLst>
+                <a:latin typeface="VNI-Aptima" pitchFamily="2" charset="0"/>
+              </a:rPr>
+              <a:t>, </a:t>
+            </a:r>
+            <a:r>
+              <a:rPr lang="en-US" sz="6600" b="1" dirty="0" err="1">
+                <a:effectLst>
+                  <a:glow rad="101600">
+                    <a:schemeClr val="bg1">
+                      <a:alpha val="60000"/>
+                    </a:schemeClr>
+                  </a:glow>
+                </a:effectLst>
+                <a:latin typeface="VNI-Aptima" pitchFamily="2" charset="0"/>
+              </a:rPr>
+              <a:t>döïa</a:t>
+            </a:r>
+            <a:r>
+              <a:rPr lang="en-US" sz="6600" b="1" dirty="0">
+                <a:effectLst>
+                  <a:glow rad="101600">
+                    <a:schemeClr val="bg1">
+                      <a:alpha val="60000"/>
+                    </a:schemeClr>
+                  </a:glow>
+                </a:effectLst>
+                <a:latin typeface="VNI-Aptima" pitchFamily="2" charset="0"/>
+              </a:rPr>
+              <a:t> Ta </a:t>
+            </a:r>
+            <a:r>
+              <a:rPr lang="en-US" sz="6600" b="1" dirty="0" err="1">
+                <a:effectLst>
+                  <a:glow rad="101600">
+                    <a:schemeClr val="bg1">
+                      <a:alpha val="60000"/>
+                    </a:schemeClr>
+                  </a:glow>
+                </a:effectLst>
+                <a:latin typeface="VNI-Aptima" pitchFamily="2" charset="0"/>
+              </a:rPr>
+              <a:t>trong</a:t>
+            </a:r>
+            <a:r>
+              <a:rPr lang="en-US" sz="6600" b="1" dirty="0">
+                <a:effectLst>
+                  <a:glow rad="101600">
+                    <a:schemeClr val="bg1">
+                      <a:alpha val="60000"/>
+                    </a:schemeClr>
+                  </a:glow>
+                </a:effectLst>
+                <a:latin typeface="VNI-Aptima" pitchFamily="2" charset="0"/>
+              </a:rPr>
+              <a:t> </a:t>
+            </a:r>
+            <a:r>
+              <a:rPr lang="en-US" sz="6600" b="1" dirty="0" err="1">
+                <a:effectLst>
+                  <a:glow rad="101600">
+                    <a:schemeClr val="bg1">
+                      <a:alpha val="60000"/>
+                    </a:schemeClr>
+                  </a:glow>
+                </a:effectLst>
+                <a:latin typeface="VNI-Aptima" pitchFamily="2" charset="0"/>
+              </a:rPr>
+              <a:t>coõi</a:t>
+            </a:r>
+            <a:r>
+              <a:rPr lang="en-US" sz="6600" b="1" dirty="0">
+                <a:effectLst>
+                  <a:glow rad="101600">
+                    <a:schemeClr val="bg1">
+                      <a:alpha val="60000"/>
+                    </a:schemeClr>
+                  </a:glow>
+                </a:effectLst>
+                <a:latin typeface="VNI-Aptima" pitchFamily="2" charset="0"/>
+              </a:rPr>
+              <a:t> </a:t>
             </a:r>
             <a:br>
-              <a:rPr lang="en-US" sz="6600" b="1" dirty="0" smtClean="0">
+              <a:rPr lang="en-US" sz="6600" b="1" dirty="0">
                 <a:effectLst>
                   <a:glow rad="101600">
                     <a:schemeClr val="bg1">
@@ -4023,20 +3834,20 @@
               </a:rPr>
             </a:br>
             <a:r>
-              <a:rPr lang="en-US" sz="6600" b="1" dirty="0" err="1" smtClean="0">
-                <a:effectLst>
-                  <a:glow rad="101600">
-                    <a:schemeClr val="bg1">
-                      <a:alpha val="60000"/>
-                    </a:schemeClr>
-                  </a:glow>
-                </a:effectLst>
-                <a:latin typeface="VNI-Aptima" pitchFamily="2" charset="0"/>
-              </a:rPr>
-              <a:t>haõy</a:t>
-            </a:r>
-            <a:r>
-              <a:rPr lang="en-US" sz="6600" b="1" dirty="0" smtClean="0">
+              <a:rPr lang="en-US" sz="6600" b="1" dirty="0" err="1">
+                <a:effectLst>
+                  <a:glow rad="101600">
+                    <a:schemeClr val="bg1">
+                      <a:alpha val="60000"/>
+                    </a:schemeClr>
+                  </a:glow>
+                </a:effectLst>
+                <a:latin typeface="VNI-Aptima" pitchFamily="2" charset="0"/>
+              </a:rPr>
+              <a:t>töông</a:t>
+            </a:r>
+            <a:r>
+              <a:rPr lang="en-US" sz="6600" b="1" dirty="0">
                 <a:effectLst>
                   <a:glow rad="101600">
                     <a:schemeClr val="bg1">
@@ -4059,7 +3870,7 @@
                 </a:effectLst>
                 <a:latin typeface="VNI-Aptima" pitchFamily="2" charset="0"/>
               </a:rPr>
-              <a:t>nöông</a:t>
+              <a:t>lai</a:t>
             </a:r>
             <a:r>
               <a:rPr lang="en-US" sz="6600" b="1" dirty="0">
@@ -4075,20 +3886,20 @@
               <a:t> </a:t>
             </a:r>
             <a:r>
-              <a:rPr lang="en-US" sz="6600" b="1" dirty="0" err="1" smtClean="0">
-                <a:effectLst>
-                  <a:glow rad="101600">
-                    <a:schemeClr val="bg1">
-                      <a:alpha val="60000"/>
-                    </a:schemeClr>
-                  </a:glow>
-                </a:effectLst>
-                <a:latin typeface="VNI-Aptima" pitchFamily="2" charset="0"/>
-              </a:rPr>
-              <a:t>ngöïc</a:t>
-            </a:r>
-            <a:r>
-              <a:rPr lang="en-US" sz="6600" b="1" dirty="0" smtClean="0">
+              <a:rPr lang="en-US" sz="6600" b="1" dirty="0" err="1">
+                <a:effectLst>
+                  <a:glow rad="101600">
+                    <a:schemeClr val="bg1">
+                      <a:alpha val="60000"/>
+                    </a:schemeClr>
+                  </a:glow>
+                </a:effectLst>
+                <a:latin typeface="VNI-Aptima" pitchFamily="2" charset="0"/>
+              </a:rPr>
+              <a:t>vui</a:t>
+            </a:r>
+            <a:r>
+              <a:rPr lang="en-US" sz="6600" b="1" dirty="0">
                 <a:effectLst>
                   <a:glow rad="101600">
                     <a:schemeClr val="bg1">
@@ -4111,226 +3922,6 @@
                 </a:effectLst>
                 <a:latin typeface="VNI-Aptima" pitchFamily="2" charset="0"/>
               </a:rPr>
-              <a:t>naày</a:t>
-            </a:r>
-            <a:r>
-              <a:rPr lang="en-US" sz="6600" b="1" dirty="0">
-                <a:effectLst>
-                  <a:glow rad="101600">
-                    <a:schemeClr val="bg1">
-                      <a:alpha val="60000"/>
-                    </a:schemeClr>
-                  </a:glow>
-                </a:effectLst>
-                <a:latin typeface="VNI-Aptima" pitchFamily="2" charset="0"/>
-              </a:rPr>
-              <a:t>, </a:t>
-            </a:r>
-            <a:r>
-              <a:rPr lang="en-US" sz="6600" b="1" dirty="0" err="1" smtClean="0">
-                <a:effectLst>
-                  <a:glow rad="101600">
-                    <a:schemeClr val="bg1">
-                      <a:alpha val="60000"/>
-                    </a:schemeClr>
-                  </a:glow>
-                </a:effectLst>
-                <a:latin typeface="VNI-Aptima" pitchFamily="2" charset="0"/>
-              </a:rPr>
-              <a:t>döïa</a:t>
-            </a:r>
-            <a:r>
-              <a:rPr lang="en-US" sz="6600" b="1" dirty="0" smtClean="0">
-                <a:effectLst>
-                  <a:glow rad="101600">
-                    <a:schemeClr val="bg1">
-                      <a:alpha val="60000"/>
-                    </a:schemeClr>
-                  </a:glow>
-                </a:effectLst>
-                <a:latin typeface="VNI-Aptima" pitchFamily="2" charset="0"/>
-              </a:rPr>
-              <a:t> </a:t>
-            </a:r>
-            <a:r>
-              <a:rPr lang="en-US" sz="6600" b="1" dirty="0">
-                <a:effectLst>
-                  <a:glow rad="101600">
-                    <a:schemeClr val="bg1">
-                      <a:alpha val="60000"/>
-                    </a:schemeClr>
-                  </a:glow>
-                </a:effectLst>
-                <a:latin typeface="VNI-Aptima" pitchFamily="2" charset="0"/>
-              </a:rPr>
-              <a:t>Ta </a:t>
-            </a:r>
-            <a:r>
-              <a:rPr lang="en-US" sz="6600" b="1" dirty="0" err="1">
-                <a:effectLst>
-                  <a:glow rad="101600">
-                    <a:schemeClr val="bg1">
-                      <a:alpha val="60000"/>
-                    </a:schemeClr>
-                  </a:glow>
-                </a:effectLst>
-                <a:latin typeface="VNI-Aptima" pitchFamily="2" charset="0"/>
-              </a:rPr>
-              <a:t>trong</a:t>
-            </a:r>
-            <a:r>
-              <a:rPr lang="en-US" sz="6600" b="1" dirty="0">
-                <a:effectLst>
-                  <a:glow rad="101600">
-                    <a:schemeClr val="bg1">
-                      <a:alpha val="60000"/>
-                    </a:schemeClr>
-                  </a:glow>
-                </a:effectLst>
-                <a:latin typeface="VNI-Aptima" pitchFamily="2" charset="0"/>
-              </a:rPr>
-              <a:t> </a:t>
-            </a:r>
-            <a:r>
-              <a:rPr lang="en-US" sz="6600" b="1" dirty="0" err="1">
-                <a:effectLst>
-                  <a:glow rad="101600">
-                    <a:schemeClr val="bg1">
-                      <a:alpha val="60000"/>
-                    </a:schemeClr>
-                  </a:glow>
-                </a:effectLst>
-                <a:latin typeface="VNI-Aptima" pitchFamily="2" charset="0"/>
-              </a:rPr>
-              <a:t>coõi</a:t>
-            </a:r>
-            <a:r>
-              <a:rPr lang="en-US" sz="6600" b="1" dirty="0">
-                <a:effectLst>
-                  <a:glow rad="101600">
-                    <a:schemeClr val="bg1">
-                      <a:alpha val="60000"/>
-                    </a:schemeClr>
-                  </a:glow>
-                </a:effectLst>
-                <a:latin typeface="VNI-Aptima" pitchFamily="2" charset="0"/>
-              </a:rPr>
-              <a:t> </a:t>
-            </a:r>
-            <a:r>
-              <a:rPr lang="en-US" sz="6600" b="1" dirty="0" smtClean="0">
-                <a:effectLst>
-                  <a:glow rad="101600">
-                    <a:schemeClr val="bg1">
-                      <a:alpha val="60000"/>
-                    </a:schemeClr>
-                  </a:glow>
-                </a:effectLst>
-                <a:latin typeface="VNI-Aptima" pitchFamily="2" charset="0"/>
-              </a:rPr>
-              <a:t/>
-            </a:r>
-            <a:br>
-              <a:rPr lang="en-US" sz="6600" b="1" dirty="0" smtClean="0">
-                <a:effectLst>
-                  <a:glow rad="101600">
-                    <a:schemeClr val="bg1">
-                      <a:alpha val="60000"/>
-                    </a:schemeClr>
-                  </a:glow>
-                </a:effectLst>
-                <a:latin typeface="VNI-Aptima" pitchFamily="2" charset="0"/>
-              </a:rPr>
-            </a:br>
-            <a:r>
-              <a:rPr lang="en-US" sz="6600" b="1" dirty="0" err="1" smtClean="0">
-                <a:effectLst>
-                  <a:glow rad="101600">
-                    <a:schemeClr val="bg1">
-                      <a:alpha val="60000"/>
-                    </a:schemeClr>
-                  </a:glow>
-                </a:effectLst>
-                <a:latin typeface="VNI-Aptima" pitchFamily="2" charset="0"/>
-              </a:rPr>
-              <a:t>töông</a:t>
-            </a:r>
-            <a:r>
-              <a:rPr lang="en-US" sz="6600" b="1" dirty="0" smtClean="0">
-                <a:effectLst>
-                  <a:glow rad="101600">
-                    <a:schemeClr val="bg1">
-                      <a:alpha val="60000"/>
-                    </a:schemeClr>
-                  </a:glow>
-                </a:effectLst>
-                <a:latin typeface="VNI-Aptima" pitchFamily="2" charset="0"/>
-              </a:rPr>
-              <a:t> </a:t>
-            </a:r>
-            <a:r>
-              <a:rPr lang="en-US" sz="6600" b="1" dirty="0" err="1">
-                <a:effectLst>
-                  <a:glow rad="101600">
-                    <a:schemeClr val="bg1">
-                      <a:alpha val="60000"/>
-                    </a:schemeClr>
-                  </a:glow>
-                </a:effectLst>
-                <a:latin typeface="VNI-Aptima" pitchFamily="2" charset="0"/>
-              </a:rPr>
-              <a:t>lai</a:t>
-            </a:r>
-            <a:r>
-              <a:rPr lang="en-US" sz="6600" b="1" dirty="0">
-                <a:effectLst>
-                  <a:glow rad="101600">
-                    <a:schemeClr val="bg1">
-                      <a:alpha val="60000"/>
-                    </a:schemeClr>
-                  </a:glow>
-                </a:effectLst>
-                <a:latin typeface="VNI-Aptima" pitchFamily="2" charset="0"/>
-              </a:rPr>
-              <a:t> </a:t>
-            </a:r>
-            <a:r>
-              <a:rPr lang="en-US" sz="6600" b="1" dirty="0" err="1">
-                <a:effectLst>
-                  <a:glow rad="101600">
-                    <a:schemeClr val="bg1">
-                      <a:alpha val="60000"/>
-                    </a:schemeClr>
-                  </a:glow>
-                </a:effectLst>
-                <a:latin typeface="VNI-Aptima" pitchFamily="2" charset="0"/>
-              </a:rPr>
-              <a:t>vui</a:t>
-            </a:r>
-            <a:r>
-              <a:rPr lang="en-US" sz="6600" b="1" dirty="0">
-                <a:effectLst>
-                  <a:glow rad="101600">
-                    <a:schemeClr val="bg1">
-                      <a:alpha val="60000"/>
-                    </a:schemeClr>
-                  </a:glow>
-                </a:effectLst>
-                <a:latin typeface="VNI-Aptima" pitchFamily="2" charset="0"/>
-              </a:rPr>
-              <a:t> </a:t>
-            </a:r>
-            <a:r>
-              <a:rPr lang="en-US" sz="6600" b="1" dirty="0" err="1" smtClean="0">
-                <a:effectLst>
-                  <a:glow rad="101600">
-                    <a:schemeClr val="bg1">
-                      <a:alpha val="60000"/>
-                    </a:schemeClr>
-                  </a:glow>
-                </a:effectLst>
-                <a:latin typeface="VNI-Aptima" pitchFamily="2" charset="0"/>
-              </a:rPr>
               <a:t>thoûa</a:t>
             </a:r>
             <a:r>
@@ -4344,31 +3935,8 @@
                 </a:effectLst>
                 <a:latin typeface="VNI-Aptima" pitchFamily="2" charset="0"/>
               </a:rPr>
-              <a:t>.</a:t>
-            </a:r>
-            <a:r>
-              <a:rPr lang="en-US" sz="6600" b="1" dirty="0" smtClean="0">
-                <a:effectLst>
-                  <a:glow rad="101600">
-                    <a:schemeClr val="bg1">
-                      <a:alpha val="60000"/>
-                    </a:schemeClr>
-                  </a:glow>
-                </a:effectLst>
-                <a:latin typeface="VNI-Aptima" pitchFamily="2" charset="0"/>
-              </a:rPr>
-              <a:t> </a:t>
-            </a:r>
-            <a:endParaRPr lang="en-US" sz="6600" b="1" dirty="0">
-              <a:effectLst>
-                <a:glow rad="101600">
-                  <a:schemeClr val="bg1">
-                    <a:alpha val="60000"/>
-                  </a:schemeClr>
-                </a:glow>
-              </a:effectLst>
-              <a:latin typeface="VNI-Aptima" pitchFamily="2" charset="0"/>
-            </a:endParaRPr>
+              <a:t>. </a:t>
+            </a:r>
           </a:p>
         </p:txBody>
       </p:sp>
@@ -4439,10 +4007,10 @@
                 </a:effectLst>
                 <a:latin typeface="VNI-Garam" pitchFamily="34" charset="0"/>
               </a:rPr>
-              <a:t>THAÙNH CA </a:t>
-            </a:r>
-            <a:r>
-              <a:rPr lang="en-US" sz="3500" b="1" dirty="0" smtClean="0">
+              <a:t>THAÙNH CA 388 – </a:t>
+            </a:r>
+            <a:r>
+              <a:rPr lang="sv-SE" sz="3500" b="1" dirty="0">
                 <a:solidFill>
                   <a:srgbClr val="002060"/>
                 </a:solidFill>
@@ -4455,37 +4023,8 @@
                 </a:effectLst>
                 <a:latin typeface="VNI-Garam" pitchFamily="34" charset="0"/>
               </a:rPr>
-              <a:t>388 – </a:t>
-            </a:r>
-            <a:r>
-              <a:rPr lang="sv-SE" sz="3500" b="1" dirty="0" smtClean="0">
-                <a:solidFill>
-                  <a:srgbClr val="002060"/>
-                </a:solidFill>
-                <a:effectLst>
-                  <a:glow rad="101600">
-                    <a:prstClr val="white">
-                      <a:alpha val="60000"/>
-                    </a:prstClr>
-                  </a:glow>
-                </a:effectLst>
-                <a:latin typeface="VNI-Garam" pitchFamily="34" charset="0"/>
-              </a:rPr>
               <a:t>HAÕY THEO TA</a:t>
             </a:r>
-            <a:endParaRPr lang="sv-SE" sz="3500" b="1" dirty="0">
-              <a:solidFill>
-                <a:srgbClr val="002060"/>
-              </a:solidFill>
-              <a:effectLst>
-                <a:glow rad="101600">
-                  <a:prstClr val="white">
-                    <a:alpha val="60000"/>
-                  </a:prstClr>
-                </a:glow>
-              </a:effectLst>
-              <a:latin typeface="VNI-Garam" pitchFamily="34" charset="0"/>
-            </a:endParaRPr>
           </a:p>
         </p:txBody>
       </p:sp>
@@ -4562,13 +4101,6 @@
       <p:transition/>
     </mc:Fallback>
   </mc:AlternateContent>
-  <p:timing>
-    <p:tnLst>
-      <p:par>
-        <p:cTn id="1" dur="indefinite" restart="never" nodeType="tmRoot"/>
-      </p:par>
-    </p:tnLst>
-  </p:timing>
 </p:sld>
 </file>
 
@@ -4873,49 +4405,36 @@
                 </a:effectLst>
                 <a:latin typeface="VNI-Aptima" pitchFamily="2" charset="0"/>
               </a:rPr>
+              <a:t> Ta, </a:t>
+            </a:r>
+            <a:r>
+              <a:rPr lang="en-US" sz="6600" b="1" dirty="0" err="1">
+                <a:effectLst>
+                  <a:glow rad="101600">
+                    <a:schemeClr val="bg1">
+                      <a:alpha val="60000"/>
+                    </a:schemeClr>
+                  </a:glow>
+                </a:effectLst>
+                <a:latin typeface="VNI-Aptima" pitchFamily="2" charset="0"/>
+              </a:rPr>
+              <a:t>mau</a:t>
+            </a:r>
+            <a:r>
+              <a:rPr lang="en-US" sz="6600" b="1" dirty="0">
+                <a:effectLst>
+                  <a:glow rad="101600">
+                    <a:schemeClr val="bg1">
+                      <a:alpha val="60000"/>
+                    </a:schemeClr>
+                  </a:glow>
+                </a:effectLst>
+                <a:latin typeface="VNI-Aptima" pitchFamily="2" charset="0"/>
+              </a:rPr>
               <a:t> </a:t>
             </a:r>
             <a:r>
-              <a:rPr lang="en-US" sz="6600" b="1" dirty="0" smtClean="0">
-                <a:effectLst>
-                  <a:glow rad="101600">
-                    <a:schemeClr val="bg1">
-                      <a:alpha val="60000"/>
-                    </a:schemeClr>
-                  </a:glow>
-                </a:effectLst>
-                <a:latin typeface="VNI-Aptima" pitchFamily="2" charset="0"/>
-              </a:rPr>
-              <a:t>Ta, </a:t>
-            </a:r>
-            <a:r>
-              <a:rPr lang="en-US" sz="6600" b="1" dirty="0" err="1" smtClean="0">
-                <a:effectLst>
-                  <a:glow rad="101600">
-                    <a:schemeClr val="bg1">
-                      <a:alpha val="60000"/>
-                    </a:schemeClr>
-                  </a:glow>
-                </a:effectLst>
-                <a:latin typeface="VNI-Aptima" pitchFamily="2" charset="0"/>
-              </a:rPr>
-              <a:t>mau</a:t>
-            </a:r>
-            <a:r>
-              <a:rPr lang="en-US" sz="6600" b="1" dirty="0" smtClean="0">
-                <a:effectLst>
-                  <a:glow rad="101600">
-                    <a:schemeClr val="bg1">
-                      <a:alpha val="60000"/>
-                    </a:schemeClr>
-                  </a:glow>
-                </a:effectLst>
-                <a:latin typeface="VNI-Aptima" pitchFamily="2" charset="0"/>
-              </a:rPr>
-              <a:t> </a:t>
-            </a:r>
-            <a:r>
-              <a:rPr lang="en-US" sz="6600" b="1" dirty="0" err="1" smtClean="0">
+              <a:rPr lang="en-US" sz="6600" b="1" dirty="0" err="1">
                 <a:effectLst>
                   <a:glow rad="101600">
                     <a:schemeClr val="bg1">
@@ -4928,33 +4447,20 @@
               <a:t>ôù</a:t>
             </a:r>
             <a:r>
-              <a:rPr lang="en-US" sz="6600" b="1" dirty="0" smtClean="0">
-                <a:effectLst>
-                  <a:glow rad="101600">
-                    <a:schemeClr val="bg1">
-                      <a:alpha val="60000"/>
-                    </a:schemeClr>
-                  </a:glow>
-                </a:effectLst>
-                <a:latin typeface="VNI-Aptima" pitchFamily="2" charset="0"/>
-              </a:rPr>
-              <a:t> </a:t>
-            </a:r>
-            <a:r>
-              <a:rPr lang="en-US" sz="6600" b="1" dirty="0">
-                <a:effectLst>
-                  <a:glow rad="101600">
-                    <a:schemeClr val="bg1">
-                      <a:alpha val="60000"/>
-                    </a:schemeClr>
-                  </a:glow>
-                </a:effectLst>
-                <a:latin typeface="VNI-Aptima" pitchFamily="2" charset="0"/>
-              </a:rPr>
-              <a:t>con, </a:t>
-            </a:r>
-            <a:r>
-              <a:rPr lang="en-US" sz="6600" b="1" dirty="0" err="1" smtClean="0">
+              <a:rPr lang="en-US" sz="6600" b="1" dirty="0">
+                <a:effectLst>
+                  <a:glow rad="101600">
+                    <a:schemeClr val="bg1">
+                      <a:alpha val="60000"/>
+                    </a:schemeClr>
+                  </a:glow>
+                </a:effectLst>
+                <a:latin typeface="VNI-Aptima" pitchFamily="2" charset="0"/>
+              </a:rPr>
+              <a:t> con, </a:t>
+            </a:r>
+            <a:r>
+              <a:rPr lang="en-US" sz="6600" b="1" dirty="0" err="1">
                 <a:effectLst>
                   <a:glow rad="101600">
                     <a:schemeClr val="bg1">
@@ -4967,7 +4473,7 @@
               <a:t>haõy</a:t>
             </a:r>
             <a:r>
-              <a:rPr lang="en-US" sz="6600" b="1" dirty="0" smtClean="0">
+              <a:rPr lang="en-US" sz="6600" b="1" dirty="0">
                 <a:effectLst>
                   <a:glow rad="101600">
                     <a:schemeClr val="bg1">
@@ -5075,10 +4581,10 @@
                 </a:effectLst>
                 <a:latin typeface="VNI-Garam" pitchFamily="34" charset="0"/>
               </a:rPr>
-              <a:t>THAÙNH CA </a:t>
-            </a:r>
-            <a:r>
-              <a:rPr lang="en-US" sz="3500" b="1" dirty="0" smtClean="0">
+              <a:t>THAÙNH CA 388 – </a:t>
+            </a:r>
+            <a:r>
+              <a:rPr lang="sv-SE" sz="3500" b="1" dirty="0">
                 <a:solidFill>
                   <a:srgbClr val="002060"/>
                 </a:solidFill>
@@ -5091,37 +4597,8 @@
                 </a:effectLst>
                 <a:latin typeface="VNI-Garam" pitchFamily="34" charset="0"/>
               </a:rPr>
-              <a:t>388 – </a:t>
-            </a:r>
-            <a:r>
-              <a:rPr lang="sv-SE" sz="3500" b="1" dirty="0" smtClean="0">
-                <a:solidFill>
-                  <a:srgbClr val="002060"/>
-                </a:solidFill>
-                <a:effectLst>
-                  <a:glow rad="101600">
-                    <a:prstClr val="white">
-                      <a:alpha val="60000"/>
-                    </a:prstClr>
-                  </a:glow>
-                </a:effectLst>
-                <a:latin typeface="VNI-Garam" pitchFamily="34" charset="0"/>
-              </a:rPr>
               <a:t>HAÕY THEO TA</a:t>
             </a:r>
-            <a:endParaRPr lang="sv-SE" sz="3500" b="1" dirty="0">
-              <a:solidFill>
-                <a:srgbClr val="002060"/>
-              </a:solidFill>
-              <a:effectLst>
-                <a:glow rad="101600">
-                  <a:prstClr val="white">
-                    <a:alpha val="60000"/>
-                  </a:prstClr>
-                </a:glow>
-              </a:effectLst>
-              <a:latin typeface="VNI-Garam" pitchFamily="34" charset="0"/>
-            </a:endParaRPr>
           </a:p>
         </p:txBody>
       </p:sp>
@@ -5198,13 +4675,6 @@
       <p:transition/>
     </mc:Fallback>
   </mc:AlternateContent>
-  <p:timing>
-    <p:tnLst>
-      <p:par>
-        <p:cTn id="1" dur="indefinite" restart="never" nodeType="tmRoot"/>
-      </p:par>
-    </p:tnLst>
-  </p:timing>
 </p:sld>
 </file>
 
@@ -5414,7 +4884,7 @@
               <a:t> </a:t>
             </a:r>
             <a:r>
-              <a:rPr lang="en-US" sz="6600" b="1" dirty="0" err="1" smtClean="0">
+              <a:rPr lang="en-US" sz="6600" b="1" dirty="0" err="1">
                 <a:effectLst>
                   <a:glow rad="101600">
                     <a:schemeClr val="bg1">
@@ -5427,7 +4897,7 @@
               <a:t>Jeâsus</a:t>
             </a:r>
             <a:r>
-              <a:rPr lang="en-US" sz="6600" b="1" dirty="0" smtClean="0">
+              <a:rPr lang="en-US" sz="6600" b="1" dirty="0">
                 <a:effectLst>
                   <a:glow rad="101600">
                     <a:schemeClr val="bg1">
@@ -5566,33 +5036,72 @@
                 </a:effectLst>
                 <a:latin typeface="VNI-Aptima" pitchFamily="2" charset="0"/>
               </a:rPr>
+              <a:t> Ta, </a:t>
+            </a:r>
+            <a:r>
+              <a:rPr lang="en-US" sz="6600" b="1" dirty="0" err="1">
+                <a:effectLst>
+                  <a:glow rad="101600">
+                    <a:schemeClr val="bg1">
+                      <a:alpha val="60000"/>
+                    </a:schemeClr>
+                  </a:glow>
+                </a:effectLst>
+                <a:latin typeface="VNI-Aptima" pitchFamily="2" charset="0"/>
+              </a:rPr>
+              <a:t>mau</a:t>
+            </a:r>
+            <a:r>
+              <a:rPr lang="en-US" sz="6600" b="1" dirty="0">
+                <a:effectLst>
+                  <a:glow rad="101600">
+                    <a:schemeClr val="bg1">
+                      <a:alpha val="60000"/>
+                    </a:schemeClr>
+                  </a:glow>
+                </a:effectLst>
+                <a:latin typeface="VNI-Aptima" pitchFamily="2" charset="0"/>
+              </a:rPr>
               <a:t> </a:t>
             </a:r>
             <a:r>
-              <a:rPr lang="en-US" sz="6600" b="1" dirty="0" smtClean="0">
-                <a:effectLst>
-                  <a:glow rad="101600">
-                    <a:schemeClr val="bg1">
-                      <a:alpha val="60000"/>
-                    </a:schemeClr>
-                  </a:glow>
-                </a:effectLst>
-                <a:latin typeface="VNI-Aptima" pitchFamily="2" charset="0"/>
-              </a:rPr>
-              <a:t>Ta, </a:t>
-            </a:r>
-            <a:r>
-              <a:rPr lang="en-US" sz="6600" b="1" dirty="0" err="1">
-                <a:effectLst>
-                  <a:glow rad="101600">
-                    <a:schemeClr val="bg1">
-                      <a:alpha val="60000"/>
-                    </a:schemeClr>
-                  </a:glow>
-                </a:effectLst>
-                <a:latin typeface="VNI-Aptima" pitchFamily="2" charset="0"/>
-              </a:rPr>
-              <a:t>mau</a:t>
+              <a:rPr lang="en-US" sz="6600" b="1" dirty="0" err="1">
+                <a:effectLst>
+                  <a:glow rad="101600">
+                    <a:schemeClr val="bg1">
+                      <a:alpha val="60000"/>
+                    </a:schemeClr>
+                  </a:glow>
+                </a:effectLst>
+                <a:latin typeface="VNI-Aptima" pitchFamily="2" charset="0"/>
+              </a:rPr>
+              <a:t>ôù</a:t>
+            </a:r>
+            <a:r>
+              <a:rPr lang="en-US" sz="6600" b="1" dirty="0">
+                <a:effectLst>
+                  <a:glow rad="101600">
+                    <a:schemeClr val="bg1">
+                      <a:alpha val="60000"/>
+                    </a:schemeClr>
+                  </a:glow>
+                </a:effectLst>
+                <a:latin typeface="VNI-Aptima" pitchFamily="2" charset="0"/>
+              </a:rPr>
+              <a:t> con, </a:t>
+            </a:r>
+            <a:r>
+              <a:rPr lang="en-US" sz="6600" b="1" dirty="0" err="1">
+                <a:effectLst>
+                  <a:glow rad="101600">
+                    <a:schemeClr val="bg1">
+                      <a:alpha val="60000"/>
+                    </a:schemeClr>
+                  </a:glow>
+                </a:effectLst>
+                <a:latin typeface="VNI-Aptima" pitchFamily="2" charset="0"/>
+              </a:rPr>
+              <a:t>haõy</a:t>
             </a:r>
             <a:r>
               <a:rPr lang="en-US" sz="6600" b="1" dirty="0">
@@ -5618,58 +5127,6 @@
                 </a:effectLst>
                 <a:latin typeface="VNI-Aptima" pitchFamily="2" charset="0"/>
               </a:rPr>
-              <a:t>ôù</a:t>
-            </a:r>
-            <a:r>
-              <a:rPr lang="en-US" sz="6600" b="1" dirty="0">
-                <a:effectLst>
-                  <a:glow rad="101600">
-                    <a:schemeClr val="bg1">
-                      <a:alpha val="60000"/>
-                    </a:schemeClr>
-                  </a:glow>
-                </a:effectLst>
-                <a:latin typeface="VNI-Aptima" pitchFamily="2" charset="0"/>
-              </a:rPr>
-              <a:t> con, </a:t>
-            </a:r>
-            <a:r>
-              <a:rPr lang="en-US" sz="6600" b="1" dirty="0" err="1">
-                <a:effectLst>
-                  <a:glow rad="101600">
-                    <a:schemeClr val="bg1">
-                      <a:alpha val="60000"/>
-                    </a:schemeClr>
-                  </a:glow>
-                </a:effectLst>
-                <a:latin typeface="VNI-Aptima" pitchFamily="2" charset="0"/>
-              </a:rPr>
-              <a:t>haõy</a:t>
-            </a:r>
-            <a:r>
-              <a:rPr lang="en-US" sz="6600" b="1" dirty="0">
-                <a:effectLst>
-                  <a:glow rad="101600">
-                    <a:schemeClr val="bg1">
-                      <a:alpha val="60000"/>
-                    </a:schemeClr>
-                  </a:glow>
-                </a:effectLst>
-                <a:latin typeface="VNI-Aptima" pitchFamily="2" charset="0"/>
-              </a:rPr>
-              <a:t> </a:t>
-            </a:r>
-            <a:r>
-              <a:rPr lang="en-US" sz="6600" b="1" dirty="0" err="1">
-                <a:effectLst>
-                  <a:glow rad="101600">
-                    <a:schemeClr val="bg1">
-                      <a:alpha val="60000"/>
-                    </a:schemeClr>
-                  </a:glow>
-                </a:effectLst>
-                <a:latin typeface="VNI-Aptima" pitchFamily="2" charset="0"/>
-              </a:rPr>
               <a:t>theo</a:t>
             </a:r>
             <a:r>
@@ -5683,31 +5140,8 @@
                 </a:effectLst>
                 <a:latin typeface="VNI-Aptima" pitchFamily="2" charset="0"/>
               </a:rPr>
-              <a:t> </a:t>
-            </a:r>
-            <a:r>
-              <a:rPr lang="en-US" sz="6600" b="1" dirty="0" smtClean="0">
-                <a:effectLst>
-                  <a:glow rad="101600">
-                    <a:schemeClr val="bg1">
-                      <a:alpha val="60000"/>
-                    </a:schemeClr>
-                  </a:glow>
-                </a:effectLst>
-                <a:latin typeface="VNI-Aptima" pitchFamily="2" charset="0"/>
-              </a:rPr>
-              <a:t>Ta“.</a:t>
-            </a:r>
-            <a:endParaRPr lang="en-US" sz="6600" b="1" dirty="0">
-              <a:effectLst>
-                <a:glow rad="101600">
-                  <a:schemeClr val="bg1">
-                    <a:alpha val="60000"/>
-                  </a:schemeClr>
-                </a:glow>
-              </a:effectLst>
-              <a:latin typeface="VNI-Aptima" pitchFamily="2" charset="0"/>
-            </a:endParaRPr>
+              <a:t> Ta“.</a:t>
+            </a:r>
           </a:p>
         </p:txBody>
       </p:sp>
@@ -5754,10 +5188,10 @@
                 </a:effectLst>
                 <a:latin typeface="VNI-Garam" pitchFamily="34" charset="0"/>
               </a:rPr>
-              <a:t>THAÙNH CA </a:t>
-            </a:r>
-            <a:r>
-              <a:rPr lang="en-US" sz="3500" b="1" dirty="0" smtClean="0">
+              <a:t>THAÙNH CA 388 – </a:t>
+            </a:r>
+            <a:r>
+              <a:rPr lang="sv-SE" sz="3500" b="1" dirty="0">
                 <a:solidFill>
                   <a:srgbClr val="002060"/>
                 </a:solidFill>
@@ -5770,37 +5204,8 @@
                 </a:effectLst>
                 <a:latin typeface="VNI-Garam" pitchFamily="34" charset="0"/>
               </a:rPr>
-              <a:t>388 – </a:t>
-            </a:r>
-            <a:r>
-              <a:rPr lang="sv-SE" sz="3500" b="1" dirty="0" smtClean="0">
-                <a:solidFill>
-                  <a:srgbClr val="002060"/>
-                </a:solidFill>
-                <a:effectLst>
-                  <a:glow rad="101600">
-                    <a:prstClr val="white">
-                      <a:alpha val="60000"/>
-                    </a:prstClr>
-                  </a:glow>
-                </a:effectLst>
-                <a:latin typeface="VNI-Garam" pitchFamily="34" charset="0"/>
-              </a:rPr>
               <a:t>HAÕY THEO TA</a:t>
             </a:r>
-            <a:endParaRPr lang="sv-SE" sz="3500" b="1" dirty="0">
-              <a:solidFill>
-                <a:srgbClr val="002060"/>
-              </a:solidFill>
-              <a:effectLst>
-                <a:glow rad="101600">
-                  <a:prstClr val="white">
-                    <a:alpha val="60000"/>
-                  </a:prstClr>
-                </a:glow>
-              </a:effectLst>
-              <a:latin typeface="VNI-Garam" pitchFamily="34" charset="0"/>
-            </a:endParaRPr>
           </a:p>
         </p:txBody>
       </p:sp>
@@ -5881,13 +5286,6 @@
       </p:transition>
     </mc:Fallback>
   </mc:AlternateContent>
-  <p:timing>
-    <p:tnLst>
-      <p:par>
-        <p:cTn id="1" dur="indefinite" restart="never" nodeType="tmRoot"/>
-      </p:par>
-    </p:tnLst>
-  </p:timing>
 </p:sld>
 </file>
 
@@ -6041,7 +5439,7 @@
               <a:t> </a:t>
             </a:r>
             <a:r>
-              <a:rPr lang="en-US" sz="6600" b="1" dirty="0" err="1" smtClean="0">
+              <a:rPr lang="en-US" sz="6600" b="1" dirty="0" err="1">
                 <a:effectLst>
                   <a:glow rad="101600">
                     <a:schemeClr val="bg1">
@@ -6054,7 +5452,7 @@
               <a:t>ngaøy</a:t>
             </a:r>
             <a:r>
-              <a:rPr lang="en-US" sz="6600" b="1" dirty="0" smtClean="0">
+              <a:rPr lang="en-US" sz="6600" b="1" dirty="0">
                 <a:effectLst>
                   <a:glow rad="101600">
                     <a:schemeClr val="bg1">
@@ -6144,21 +5542,8 @@
               </a:rPr>
               <a:t>, </a:t>
             </a:r>
-            <a:r>
-              <a:rPr lang="en-US" sz="6600" b="1" dirty="0" smtClean="0">
-                <a:effectLst>
-                  <a:glow rad="101600">
-                    <a:schemeClr val="bg1">
-                      <a:alpha val="60000"/>
-                    </a:schemeClr>
-                  </a:glow>
-                </a:effectLst>
-                <a:latin typeface="VNI-Aptima" pitchFamily="2" charset="0"/>
-              </a:rPr>
-              <a:t/>
-            </a:r>
             <a:br>
-              <a:rPr lang="en-US" sz="6600" b="1" dirty="0" smtClean="0">
+              <a:rPr lang="en-US" sz="6600" b="1" dirty="0">
                 <a:effectLst>
                   <a:glow rad="101600">
                     <a:schemeClr val="bg1">
@@ -6170,7 +5555,7 @@
               </a:rPr>
             </a:br>
             <a:r>
-              <a:rPr lang="en-US" sz="6600" b="1" dirty="0" smtClean="0">
+              <a:rPr lang="en-US" sz="6600" b="1" dirty="0">
                 <a:effectLst>
                   <a:glow rad="101600">
                     <a:schemeClr val="bg1">
@@ -6232,36 +5617,75 @@
                 </a:effectLst>
                 <a:latin typeface="VNI-Aptima" pitchFamily="2" charset="0"/>
               </a:rPr>
+              <a:t> Ta, </a:t>
+            </a:r>
+            <a:r>
+              <a:rPr lang="en-US" sz="6600" b="1" dirty="0" err="1">
+                <a:effectLst>
+                  <a:glow rad="101600">
+                    <a:schemeClr val="bg1">
+                      <a:alpha val="60000"/>
+                    </a:schemeClr>
+                  </a:glow>
+                </a:effectLst>
+                <a:latin typeface="VNI-Aptima" pitchFamily="2" charset="0"/>
+              </a:rPr>
+              <a:t>mau</a:t>
+            </a:r>
+            <a:r>
+              <a:rPr lang="en-US" sz="6600" b="1" dirty="0">
+                <a:effectLst>
+                  <a:glow rad="101600">
+                    <a:schemeClr val="bg1">
+                      <a:alpha val="60000"/>
+                    </a:schemeClr>
+                  </a:glow>
+                </a:effectLst>
+                <a:latin typeface="VNI-Aptima" pitchFamily="2" charset="0"/>
+              </a:rPr>
               <a:t> </a:t>
             </a:r>
             <a:r>
-              <a:rPr lang="en-US" sz="6600" b="1" dirty="0" smtClean="0">
-                <a:effectLst>
-                  <a:glow rad="101600">
-                    <a:schemeClr val="bg1">
-                      <a:alpha val="60000"/>
-                    </a:schemeClr>
-                  </a:glow>
-                </a:effectLst>
-                <a:latin typeface="VNI-Aptima" pitchFamily="2" charset="0"/>
-              </a:rPr>
-              <a:t>Ta, </a:t>
-            </a:r>
-            <a:r>
-              <a:rPr lang="en-US" sz="6600" b="1" dirty="0" err="1" smtClean="0">
-                <a:effectLst>
-                  <a:glow rad="101600">
-                    <a:schemeClr val="bg1">
-                      <a:alpha val="60000"/>
-                    </a:schemeClr>
-                  </a:glow>
-                </a:effectLst>
-                <a:latin typeface="VNI-Aptima" pitchFamily="2" charset="0"/>
-              </a:rPr>
-              <a:t>mau</a:t>
-            </a:r>
-            <a:r>
-              <a:rPr lang="en-US" sz="6600" b="1" dirty="0" smtClean="0">
+              <a:rPr lang="en-US" sz="6600" b="1" dirty="0" err="1">
+                <a:effectLst>
+                  <a:glow rad="101600">
+                    <a:schemeClr val="bg1">
+                      <a:alpha val="60000"/>
+                    </a:schemeClr>
+                  </a:glow>
+                </a:effectLst>
+                <a:latin typeface="VNI-Aptima" pitchFamily="2" charset="0"/>
+              </a:rPr>
+              <a:t>ôù</a:t>
+            </a:r>
+            <a:r>
+              <a:rPr lang="en-US" sz="6600" b="1" dirty="0">
+                <a:effectLst>
+                  <a:glow rad="101600">
+                    <a:schemeClr val="bg1">
+                      <a:alpha val="60000"/>
+                    </a:schemeClr>
+                  </a:glow>
+                </a:effectLst>
+                <a:latin typeface="VNI-Aptima" pitchFamily="2" charset="0"/>
+              </a:rPr>
+              <a:t> con, </a:t>
+            </a:r>
+            <a:r>
+              <a:rPr lang="en-US" sz="6600" b="1" dirty="0" err="1">
+                <a:effectLst>
+                  <a:glow rad="101600">
+                    <a:schemeClr val="bg1">
+                      <a:alpha val="60000"/>
+                    </a:schemeClr>
+                  </a:glow>
+                </a:effectLst>
+                <a:latin typeface="VNI-Aptima" pitchFamily="2" charset="0"/>
+              </a:rPr>
+              <a:t>haõy</a:t>
+            </a:r>
+            <a:r>
+              <a:rPr lang="en-US" sz="6600" b="1" dirty="0">
                 <a:effectLst>
                   <a:glow rad="101600">
                     <a:schemeClr val="bg1">
@@ -6274,71 +5698,6 @@
               <a:t> </a:t>
             </a:r>
             <a:r>
-              <a:rPr lang="en-US" sz="6600" b="1" dirty="0" err="1" smtClean="0">
-                <a:effectLst>
-                  <a:glow rad="101600">
-                    <a:schemeClr val="bg1">
-                      <a:alpha val="60000"/>
-                    </a:schemeClr>
-                  </a:glow>
-                </a:effectLst>
-                <a:latin typeface="VNI-Aptima" pitchFamily="2" charset="0"/>
-              </a:rPr>
-              <a:t>ôù</a:t>
-            </a:r>
-            <a:r>
-              <a:rPr lang="en-US" sz="6600" b="1" dirty="0" smtClean="0">
-                <a:effectLst>
-                  <a:glow rad="101600">
-                    <a:schemeClr val="bg1">
-                      <a:alpha val="60000"/>
-                    </a:schemeClr>
-                  </a:glow>
-                </a:effectLst>
-                <a:latin typeface="VNI-Aptima" pitchFamily="2" charset="0"/>
-              </a:rPr>
-              <a:t> </a:t>
-            </a:r>
-            <a:r>
-              <a:rPr lang="en-US" sz="6600" b="1" dirty="0">
-                <a:effectLst>
-                  <a:glow rad="101600">
-                    <a:schemeClr val="bg1">
-                      <a:alpha val="60000"/>
-                    </a:schemeClr>
-                  </a:glow>
-                </a:effectLst>
-                <a:latin typeface="VNI-Aptima" pitchFamily="2" charset="0"/>
-              </a:rPr>
-              <a:t>con, </a:t>
-            </a:r>
-            <a:r>
-              <a:rPr lang="en-US" sz="6600" b="1" dirty="0" err="1" smtClean="0">
-                <a:effectLst>
-                  <a:glow rad="101600">
-                    <a:schemeClr val="bg1">
-                      <a:alpha val="60000"/>
-                    </a:schemeClr>
-                  </a:glow>
-                </a:effectLst>
-                <a:latin typeface="VNI-Aptima" pitchFamily="2" charset="0"/>
-              </a:rPr>
-              <a:t>haõy</a:t>
-            </a:r>
-            <a:r>
-              <a:rPr lang="en-US" sz="6600" b="1" dirty="0" smtClean="0">
-                <a:effectLst>
-                  <a:glow rad="101600">
-                    <a:schemeClr val="bg1">
-                      <a:alpha val="60000"/>
-                    </a:schemeClr>
-                  </a:glow>
-                </a:effectLst>
-                <a:latin typeface="VNI-Aptima" pitchFamily="2" charset="0"/>
-              </a:rPr>
-              <a:t> </a:t>
-            </a:r>
-            <a:r>
               <a:rPr lang="en-US" sz="6600" b="1" dirty="0" err="1">
                 <a:effectLst>
                   <a:glow rad="101600">
@@ -6362,31 +5721,8 @@
                 </a:effectLst>
                 <a:latin typeface="VNI-Aptima" pitchFamily="2" charset="0"/>
               </a:rPr>
-              <a:t> </a:t>
-            </a:r>
-            <a:r>
-              <a:rPr lang="en-US" sz="6600" b="1" dirty="0" smtClean="0">
-                <a:effectLst>
-                  <a:glow rad="101600">
-                    <a:schemeClr val="bg1">
-                      <a:alpha val="60000"/>
-                    </a:schemeClr>
-                  </a:glow>
-                </a:effectLst>
-                <a:latin typeface="VNI-Aptima" pitchFamily="2" charset="0"/>
-              </a:rPr>
-              <a:t>Ta.</a:t>
-            </a:r>
-            <a:endParaRPr lang="en-US" sz="6600" b="1" dirty="0">
-              <a:effectLst>
-                <a:glow rad="101600">
-                  <a:schemeClr val="bg1">
-                    <a:alpha val="60000"/>
-                  </a:schemeClr>
-                </a:glow>
-              </a:effectLst>
-              <a:latin typeface="VNI-Aptima" pitchFamily="2" charset="0"/>
-            </a:endParaRPr>
+              <a:t> Ta.</a:t>
+            </a:r>
           </a:p>
         </p:txBody>
       </p:sp>
@@ -6457,10 +5793,10 @@
                 </a:effectLst>
                 <a:latin typeface="VNI-Garam" pitchFamily="34" charset="0"/>
               </a:rPr>
-              <a:t>THAÙNH CA </a:t>
-            </a:r>
-            <a:r>
-              <a:rPr lang="en-US" sz="3500" b="1" dirty="0" smtClean="0">
+              <a:t>THAÙNH CA 388 – </a:t>
+            </a:r>
+            <a:r>
+              <a:rPr lang="sv-SE" sz="3500" b="1" dirty="0">
                 <a:solidFill>
                   <a:srgbClr val="002060"/>
                 </a:solidFill>
@@ -6473,37 +5809,8 @@
                 </a:effectLst>
                 <a:latin typeface="VNI-Garam" pitchFamily="34" charset="0"/>
               </a:rPr>
-              <a:t>388 – </a:t>
-            </a:r>
-            <a:r>
-              <a:rPr lang="sv-SE" sz="3500" b="1" dirty="0" smtClean="0">
-                <a:solidFill>
-                  <a:srgbClr val="002060"/>
-                </a:solidFill>
-                <a:effectLst>
-                  <a:glow rad="101600">
-                    <a:prstClr val="white">
-                      <a:alpha val="60000"/>
-                    </a:prstClr>
-                  </a:glow>
-                </a:effectLst>
-                <a:latin typeface="VNI-Garam" pitchFamily="34" charset="0"/>
-              </a:rPr>
               <a:t>HAÕY THEO TA</a:t>
             </a:r>
-            <a:endParaRPr lang="sv-SE" sz="3500" b="1" dirty="0">
-              <a:solidFill>
-                <a:srgbClr val="002060"/>
-              </a:solidFill>
-              <a:effectLst>
-                <a:glow rad="101600">
-                  <a:prstClr val="white">
-                    <a:alpha val="60000"/>
-                  </a:prstClr>
-                </a:glow>
-              </a:effectLst>
-              <a:latin typeface="VNI-Garam" pitchFamily="34" charset="0"/>
-            </a:endParaRPr>
           </a:p>
         </p:txBody>
       </p:sp>
@@ -6580,13 +5887,6 @@
       <p:transition/>
     </mc:Fallback>
   </mc:AlternateContent>
-  <p:timing>
-    <p:tnLst>
-      <p:par>
-        <p:cTn id="1" dur="indefinite" restart="never" nodeType="tmRoot"/>
-      </p:par>
-    </p:tnLst>
-  </p:timing>
 </p:sld>
 </file>
 
@@ -6779,7 +6079,7 @@
               <a:t>, </a:t>
             </a:r>
             <a:r>
-              <a:rPr lang="en-US" sz="6600" b="1" dirty="0" err="1" smtClean="0">
+              <a:rPr lang="en-US" sz="6600" b="1" dirty="0" err="1">
                 <a:effectLst>
                   <a:glow rad="101600">
                     <a:schemeClr val="bg1">
@@ -6792,7 +6092,7 @@
               <a:t>chuoäc</a:t>
             </a:r>
             <a:r>
-              <a:rPr lang="en-US" sz="6600" b="1" dirty="0" smtClean="0">
+              <a:rPr lang="en-US" sz="6600" b="1" dirty="0">
                 <a:effectLst>
                   <a:glow rad="101600">
                     <a:schemeClr val="bg1">
@@ -6805,7 +6105,7 @@
               <a:t> </a:t>
             </a:r>
             <a:br>
-              <a:rPr lang="en-US" sz="6600" b="1" dirty="0" smtClean="0">
+              <a:rPr lang="en-US" sz="6600" b="1" dirty="0">
                 <a:effectLst>
                   <a:glow rad="101600">
                     <a:schemeClr val="bg1">
@@ -6817,33 +6117,20 @@
               </a:rPr>
             </a:br>
             <a:r>
-              <a:rPr lang="en-US" sz="6600" b="1" dirty="0" smtClean="0">
-                <a:effectLst>
-                  <a:glow rad="101600">
-                    <a:schemeClr val="bg1">
-                      <a:alpha val="60000"/>
-                    </a:schemeClr>
-                  </a:glow>
-                </a:effectLst>
-                <a:latin typeface="VNI-Aptima" pitchFamily="2" charset="0"/>
-              </a:rPr>
-              <a:t>con </a:t>
-            </a:r>
-            <a:r>
-              <a:rPr lang="en-US" sz="6600" b="1" dirty="0">
-                <a:effectLst>
-                  <a:glow rad="101600">
-                    <a:schemeClr val="bg1">
-                      <a:alpha val="60000"/>
-                    </a:schemeClr>
-                  </a:glow>
-                </a:effectLst>
-                <a:latin typeface="VNI-Aptima" pitchFamily="2" charset="0"/>
-              </a:rPr>
-              <a:t>Ta </a:t>
-            </a:r>
-            <a:r>
-              <a:rPr lang="en-US" sz="6600" b="1" dirty="0" err="1" smtClean="0">
+              <a:rPr lang="en-US" sz="6600" b="1" dirty="0">
+                <a:effectLst>
+                  <a:glow rad="101600">
+                    <a:schemeClr val="bg1">
+                      <a:alpha val="60000"/>
+                    </a:schemeClr>
+                  </a:glow>
+                </a:effectLst>
+                <a:latin typeface="VNI-Aptima" pitchFamily="2" charset="0"/>
+              </a:rPr>
+              <a:t>con Ta </a:t>
+            </a:r>
+            <a:r>
+              <a:rPr lang="en-US" sz="6600" b="1" dirty="0" err="1">
                 <a:effectLst>
                   <a:glow rad="101600">
                     <a:schemeClr val="bg1">
@@ -6856,7 +6143,7 @@
               <a:t>ñaõ</a:t>
             </a:r>
             <a:r>
-              <a:rPr lang="en-US" sz="6600" b="1" dirty="0" smtClean="0">
+              <a:rPr lang="en-US" sz="6600" b="1" dirty="0">
                 <a:effectLst>
                   <a:glow rad="101600">
                     <a:schemeClr val="bg1">
@@ -6894,21 +6181,8 @@
               </a:rPr>
               <a:t> </a:t>
             </a:r>
-            <a:r>
-              <a:rPr lang="en-US" sz="6600" b="1" dirty="0" smtClean="0">
-                <a:effectLst>
-                  <a:glow rad="101600">
-                    <a:schemeClr val="bg1">
-                      <a:alpha val="60000"/>
-                    </a:schemeClr>
-                  </a:glow>
-                </a:effectLst>
-                <a:latin typeface="VNI-Aptima" pitchFamily="2" charset="0"/>
-              </a:rPr>
-              <a:t/>
-            </a:r>
             <a:br>
-              <a:rPr lang="en-US" sz="6600" b="1" dirty="0" smtClean="0">
+              <a:rPr lang="en-US" sz="6600" b="1" dirty="0">
                 <a:effectLst>
                   <a:glow rad="101600">
                     <a:schemeClr val="bg1">
@@ -6920,7 +6194,7 @@
               </a:rPr>
             </a:br>
             <a:r>
-              <a:rPr lang="en-US" sz="6600" b="1" dirty="0" err="1" smtClean="0">
+              <a:rPr lang="en-US" sz="6600" b="1" dirty="0" err="1">
                 <a:effectLst>
                   <a:glow rad="101600">
                     <a:schemeClr val="bg1">
@@ -6933,7 +6207,7 @@
               <a:t>caùch</a:t>
             </a:r>
             <a:r>
-              <a:rPr lang="en-US" sz="6600" b="1" dirty="0" smtClean="0">
+              <a:rPr lang="en-US" sz="6600" b="1" dirty="0">
                 <a:effectLst>
                   <a:glow rad="101600">
                     <a:schemeClr val="bg1">
@@ -6946,7 +6220,7 @@
               <a:t> </a:t>
             </a:r>
             <a:r>
-              <a:rPr lang="en-US" sz="6600" b="1" dirty="0" err="1" smtClean="0">
+              <a:rPr lang="en-US" sz="6600" b="1" dirty="0" err="1">
                 <a:effectLst>
                   <a:glow rad="101600">
                     <a:schemeClr val="bg1">
@@ -6959,7 +6233,7 @@
               <a:t>nhuïc</a:t>
             </a:r>
             <a:r>
-              <a:rPr lang="en-US" sz="6600" b="1" dirty="0" smtClean="0">
+              <a:rPr lang="en-US" sz="6600" b="1" dirty="0">
                 <a:effectLst>
                   <a:glow rad="101600">
                     <a:schemeClr val="bg1">
@@ -6972,7 +6246,7 @@
               <a:t> </a:t>
             </a:r>
             <a:r>
-              <a:rPr lang="en-US" sz="6600" b="1" dirty="0" err="1" smtClean="0">
+              <a:rPr lang="en-US" sz="6600" b="1" dirty="0" err="1">
                 <a:effectLst>
                   <a:glow rad="101600">
                     <a:schemeClr val="bg1">
@@ -7067,10 +6341,10 @@
                 </a:effectLst>
                 <a:latin typeface="VNI-Garam" pitchFamily="34" charset="0"/>
               </a:rPr>
-              <a:t>THAÙNH CA </a:t>
-            </a:r>
-            <a:r>
-              <a:rPr lang="en-US" sz="3500" b="1" dirty="0" smtClean="0">
+              <a:t>THAÙNH CA 388 – </a:t>
+            </a:r>
+            <a:r>
+              <a:rPr lang="sv-SE" sz="3500" b="1" dirty="0">
                 <a:solidFill>
                   <a:srgbClr val="002060"/>
                 </a:solidFill>
@@ -7083,37 +6357,8 @@
                 </a:effectLst>
                 <a:latin typeface="VNI-Garam" pitchFamily="34" charset="0"/>
               </a:rPr>
-              <a:t>388 – </a:t>
-            </a:r>
-            <a:r>
-              <a:rPr lang="sv-SE" sz="3500" b="1" dirty="0" smtClean="0">
-                <a:solidFill>
-                  <a:srgbClr val="002060"/>
-                </a:solidFill>
-                <a:effectLst>
-                  <a:glow rad="101600">
-                    <a:prstClr val="white">
-                      <a:alpha val="60000"/>
-                    </a:prstClr>
-                  </a:glow>
-                </a:effectLst>
-                <a:latin typeface="VNI-Garam" pitchFamily="34" charset="0"/>
-              </a:rPr>
               <a:t>HAÕY THEO TA</a:t>
             </a:r>
-            <a:endParaRPr lang="sv-SE" sz="3500" b="1" dirty="0">
-              <a:solidFill>
-                <a:srgbClr val="002060"/>
-              </a:solidFill>
-              <a:effectLst>
-                <a:glow rad="101600">
-                  <a:prstClr val="white">
-                    <a:alpha val="60000"/>
-                  </a:prstClr>
-                </a:glow>
-              </a:effectLst>
-              <a:latin typeface="VNI-Garam" pitchFamily="34" charset="0"/>
-            </a:endParaRPr>
           </a:p>
         </p:txBody>
       </p:sp>
@@ -7190,13 +6435,6 @@
       <p:transition/>
     </mc:Fallback>
   </mc:AlternateContent>
-  <p:timing>
-    <p:tnLst>
-      <p:par>
-        <p:cTn id="1" dur="indefinite" restart="never" nodeType="tmRoot"/>
-      </p:par>
-    </p:tnLst>
-  </p:timing>
 </p:sld>
 </file>
 
@@ -7256,23 +6494,10 @@
                 </a:effectLst>
                 <a:latin typeface="VNI-Aptima" pitchFamily="2" charset="0"/>
               </a:rPr>
-              <a:t>Ñ</a:t>
-            </a:r>
-            <a:r>
-              <a:rPr lang="en-US" sz="6600" b="1" dirty="0" err="1" smtClean="0">
-                <a:effectLst>
-                  <a:glow rad="101600">
-                    <a:schemeClr val="bg1">
-                      <a:alpha val="60000"/>
-                    </a:schemeClr>
-                  </a:glow>
-                </a:effectLst>
-                <a:latin typeface="VNI-Aptima" pitchFamily="2" charset="0"/>
-              </a:rPr>
-              <a:t>au</a:t>
-            </a:r>
-            <a:r>
-              <a:rPr lang="en-US" sz="6600" b="1" dirty="0" smtClean="0">
+              <a:t>Ñau</a:t>
+            </a:r>
+            <a:r>
+              <a:rPr lang="en-US" sz="6600" b="1" dirty="0">
                 <a:effectLst>
                   <a:glow rad="101600">
                     <a:schemeClr val="bg1">
@@ -7334,23 +6559,126 @@
                 </a:effectLst>
                 <a:latin typeface="VNI-Aptima" pitchFamily="2" charset="0"/>
               </a:rPr>
+              <a:t> con, </a:t>
+            </a:r>
+            <a:br>
+              <a:rPr lang="en-US" sz="6600" b="1" dirty="0">
+                <a:effectLst>
+                  <a:glow rad="101600">
+                    <a:schemeClr val="bg1">
+                      <a:alpha val="60000"/>
+                    </a:schemeClr>
+                  </a:glow>
+                </a:effectLst>
+                <a:latin typeface="VNI-Aptima" pitchFamily="2" charset="0"/>
+              </a:rPr>
+            </a:br>
+            <a:r>
+              <a:rPr lang="en-US" sz="6600" b="1" dirty="0" err="1">
+                <a:effectLst>
+                  <a:glow rad="101600">
+                    <a:schemeClr val="bg1">
+                      <a:alpha val="60000"/>
+                    </a:schemeClr>
+                  </a:glow>
+                </a:effectLst>
+                <a:latin typeface="VNI-Aptima" pitchFamily="2" charset="0"/>
+              </a:rPr>
+              <a:t>traû</a:t>
+            </a:r>
+            <a:r>
+              <a:rPr lang="en-US" sz="6600" b="1" dirty="0">
+                <a:effectLst>
+                  <a:glow rad="101600">
+                    <a:schemeClr val="bg1">
+                      <a:alpha val="60000"/>
+                    </a:schemeClr>
+                  </a:glow>
+                </a:effectLst>
+                <a:latin typeface="VNI-Aptima" pitchFamily="2" charset="0"/>
+              </a:rPr>
               <a:t> </a:t>
             </a:r>
             <a:r>
-              <a:rPr lang="en-US" sz="6600" b="1" dirty="0" smtClean="0">
-                <a:effectLst>
-                  <a:glow rad="101600">
-                    <a:schemeClr val="bg1">
-                      <a:alpha val="60000"/>
-                    </a:schemeClr>
-                  </a:glow>
-                </a:effectLst>
-                <a:latin typeface="VNI-Aptima" pitchFamily="2" charset="0"/>
-              </a:rPr>
-              <a:t>con, </a:t>
+              <a:rPr lang="en-US" sz="6600" b="1" dirty="0" err="1">
+                <a:effectLst>
+                  <a:glow rad="101600">
+                    <a:schemeClr val="bg1">
+                      <a:alpha val="60000"/>
+                    </a:schemeClr>
+                  </a:glow>
+                </a:effectLst>
+                <a:latin typeface="VNI-Aptima" pitchFamily="2" charset="0"/>
+              </a:rPr>
+              <a:t>xong</a:t>
+            </a:r>
+            <a:r>
+              <a:rPr lang="en-US" sz="6600" b="1" dirty="0">
+                <a:effectLst>
+                  <a:glow rad="101600">
+                    <a:schemeClr val="bg1">
+                      <a:alpha val="60000"/>
+                    </a:schemeClr>
+                  </a:glow>
+                </a:effectLst>
+                <a:latin typeface="VNI-Aptima" pitchFamily="2" charset="0"/>
+              </a:rPr>
+              <a:t> </a:t>
+            </a:r>
+            <a:r>
+              <a:rPr lang="en-US" sz="6600" b="1" dirty="0" err="1">
+                <a:effectLst>
+                  <a:glow rad="101600">
+                    <a:schemeClr val="bg1">
+                      <a:alpha val="60000"/>
+                    </a:schemeClr>
+                  </a:glow>
+                </a:effectLst>
+                <a:latin typeface="VNI-Aptima" pitchFamily="2" charset="0"/>
+              </a:rPr>
+              <a:t>nôï</a:t>
+            </a:r>
+            <a:r>
+              <a:rPr lang="en-US" sz="6600" b="1" dirty="0">
+                <a:effectLst>
+                  <a:glow rad="101600">
+                    <a:schemeClr val="bg1">
+                      <a:alpha val="60000"/>
+                    </a:schemeClr>
+                  </a:glow>
+                </a:effectLst>
+                <a:latin typeface="VNI-Aptima" pitchFamily="2" charset="0"/>
+              </a:rPr>
+              <a:t> </a:t>
+            </a:r>
+            <a:r>
+              <a:rPr lang="en-US" sz="6600" b="1" dirty="0" err="1">
+                <a:effectLst>
+                  <a:glow rad="101600">
+                    <a:schemeClr val="bg1">
+                      <a:alpha val="60000"/>
+                    </a:schemeClr>
+                  </a:glow>
+                </a:effectLst>
+                <a:latin typeface="VNI-Aptima" pitchFamily="2" charset="0"/>
+              </a:rPr>
+              <a:t>toäi</a:t>
+            </a:r>
+            <a:r>
+              <a:rPr lang="en-US" sz="6600" b="1" dirty="0">
+                <a:effectLst>
+                  <a:glow rad="101600">
+                    <a:schemeClr val="bg1">
+                      <a:alpha val="60000"/>
+                    </a:schemeClr>
+                  </a:glow>
+                </a:effectLst>
+                <a:latin typeface="VNI-Aptima" pitchFamily="2" charset="0"/>
+              </a:rPr>
+              <a:t>, </a:t>
             </a:r>
             <a:br>
-              <a:rPr lang="en-US" sz="6600" b="1" dirty="0" smtClean="0">
+              <a:rPr lang="en-US" sz="6600" b="1" dirty="0">
                 <a:effectLst>
                   <a:glow rad="101600">
                     <a:schemeClr val="bg1">
@@ -7362,20 +6690,20 @@
               </a:rPr>
             </a:br>
             <a:r>
-              <a:rPr lang="en-US" sz="6600" b="1" dirty="0" err="1" smtClean="0">
-                <a:effectLst>
-                  <a:glow rad="101600">
-                    <a:schemeClr val="bg1">
-                      <a:alpha val="60000"/>
-                    </a:schemeClr>
-                  </a:glow>
-                </a:effectLst>
-                <a:latin typeface="VNI-Aptima" pitchFamily="2" charset="0"/>
-              </a:rPr>
-              <a:t>traû</a:t>
-            </a:r>
-            <a:r>
-              <a:rPr lang="en-US" sz="6600" b="1" dirty="0" smtClean="0">
+              <a:rPr lang="en-US" sz="6600" b="1" dirty="0" err="1">
+                <a:effectLst>
+                  <a:glow rad="101600">
+                    <a:schemeClr val="bg1">
+                      <a:alpha val="60000"/>
+                    </a:schemeClr>
+                  </a:glow>
+                </a:effectLst>
+                <a:latin typeface="VNI-Aptima" pitchFamily="2" charset="0"/>
+              </a:rPr>
+              <a:t>Haõy</a:t>
+            </a:r>
+            <a:r>
+              <a:rPr lang="en-US" sz="6600" b="1" dirty="0">
                 <a:effectLst>
                   <a:glow rad="101600">
                     <a:schemeClr val="bg1">
@@ -7398,7 +6726,33 @@
                 </a:effectLst>
                 <a:latin typeface="VNI-Aptima" pitchFamily="2" charset="0"/>
               </a:rPr>
-              <a:t>xong</a:t>
+              <a:t>theo</a:t>
+            </a:r>
+            <a:r>
+              <a:rPr lang="en-US" sz="6600" b="1" dirty="0">
+                <a:effectLst>
+                  <a:glow rad="101600">
+                    <a:schemeClr val="bg1">
+                      <a:alpha val="60000"/>
+                    </a:schemeClr>
+                  </a:glow>
+                </a:effectLst>
+                <a:latin typeface="VNI-Aptima" pitchFamily="2" charset="0"/>
+              </a:rPr>
+              <a:t> Ta, </a:t>
+            </a:r>
+            <a:r>
+              <a:rPr lang="en-US" sz="6600" b="1" dirty="0" err="1">
+                <a:effectLst>
+                  <a:glow rad="101600">
+                    <a:schemeClr val="bg1">
+                      <a:alpha val="60000"/>
+                    </a:schemeClr>
+                  </a:glow>
+                </a:effectLst>
+                <a:latin typeface="VNI-Aptima" pitchFamily="2" charset="0"/>
+              </a:rPr>
+              <a:t>mau</a:t>
             </a:r>
             <a:r>
               <a:rPr lang="en-US" sz="6600" b="1" dirty="0">
@@ -7424,191 +6778,23 @@
                 </a:effectLst>
                 <a:latin typeface="VNI-Aptima" pitchFamily="2" charset="0"/>
               </a:rPr>
-              <a:t>nôï</a:t>
-            </a:r>
-            <a:r>
-              <a:rPr lang="en-US" sz="6600" b="1" dirty="0">
-                <a:effectLst>
-                  <a:glow rad="101600">
-                    <a:schemeClr val="bg1">
-                      <a:alpha val="60000"/>
-                    </a:schemeClr>
-                  </a:glow>
-                </a:effectLst>
-                <a:latin typeface="VNI-Aptima" pitchFamily="2" charset="0"/>
-              </a:rPr>
-              <a:t> </a:t>
-            </a:r>
-            <a:r>
-              <a:rPr lang="en-US" sz="6600" b="1" dirty="0" err="1">
-                <a:effectLst>
-                  <a:glow rad="101600">
-                    <a:schemeClr val="bg1">
-                      <a:alpha val="60000"/>
-                    </a:schemeClr>
-                  </a:glow>
-                </a:effectLst>
-                <a:latin typeface="VNI-Aptima" pitchFamily="2" charset="0"/>
-              </a:rPr>
-              <a:t>toäi</a:t>
-            </a:r>
-            <a:r>
-              <a:rPr lang="en-US" sz="6600" b="1" dirty="0">
-                <a:effectLst>
-                  <a:glow rad="101600">
-                    <a:schemeClr val="bg1">
-                      <a:alpha val="60000"/>
-                    </a:schemeClr>
-                  </a:glow>
-                </a:effectLst>
-                <a:latin typeface="VNI-Aptima" pitchFamily="2" charset="0"/>
-              </a:rPr>
-              <a:t>, </a:t>
-            </a:r>
-            <a:br>
-              <a:rPr lang="en-US" sz="6600" b="1" dirty="0">
-                <a:effectLst>
-                  <a:glow rad="101600">
-                    <a:schemeClr val="bg1">
-                      <a:alpha val="60000"/>
-                    </a:schemeClr>
-                  </a:glow>
-                </a:effectLst>
-                <a:latin typeface="VNI-Aptima" pitchFamily="2" charset="0"/>
-              </a:rPr>
-            </a:br>
-            <a:r>
-              <a:rPr lang="en-US" sz="6600" b="1" dirty="0" err="1" smtClean="0">
-                <a:effectLst>
-                  <a:glow rad="101600">
-                    <a:schemeClr val="bg1">
-                      <a:alpha val="60000"/>
-                    </a:schemeClr>
-                  </a:glow>
-                </a:effectLst>
-                <a:latin typeface="VNI-Aptima" pitchFamily="2" charset="0"/>
-              </a:rPr>
-              <a:t>Haõy</a:t>
-            </a:r>
-            <a:r>
-              <a:rPr lang="en-US" sz="6600" b="1" dirty="0" smtClean="0">
-                <a:effectLst>
-                  <a:glow rad="101600">
-                    <a:schemeClr val="bg1">
-                      <a:alpha val="60000"/>
-                    </a:schemeClr>
-                  </a:glow>
-                </a:effectLst>
-                <a:latin typeface="VNI-Aptima" pitchFamily="2" charset="0"/>
-              </a:rPr>
-              <a:t> </a:t>
-            </a:r>
-            <a:r>
-              <a:rPr lang="en-US" sz="6600" b="1" dirty="0" err="1">
-                <a:effectLst>
-                  <a:glow rad="101600">
-                    <a:schemeClr val="bg1">
-                      <a:alpha val="60000"/>
-                    </a:schemeClr>
-                  </a:glow>
-                </a:effectLst>
-                <a:latin typeface="VNI-Aptima" pitchFamily="2" charset="0"/>
-              </a:rPr>
-              <a:t>theo</a:t>
-            </a:r>
-            <a:r>
-              <a:rPr lang="en-US" sz="6600" b="1" dirty="0">
-                <a:effectLst>
-                  <a:glow rad="101600">
-                    <a:schemeClr val="bg1">
-                      <a:alpha val="60000"/>
-                    </a:schemeClr>
-                  </a:glow>
-                </a:effectLst>
-                <a:latin typeface="VNI-Aptima" pitchFamily="2" charset="0"/>
-              </a:rPr>
-              <a:t> </a:t>
-            </a:r>
-            <a:r>
-              <a:rPr lang="en-US" sz="6600" b="1" dirty="0" smtClean="0">
-                <a:effectLst>
-                  <a:glow rad="101600">
-                    <a:schemeClr val="bg1">
-                      <a:alpha val="60000"/>
-                    </a:schemeClr>
-                  </a:glow>
-                </a:effectLst>
-                <a:latin typeface="VNI-Aptima" pitchFamily="2" charset="0"/>
-              </a:rPr>
-              <a:t>Ta, </a:t>
-            </a:r>
-            <a:r>
-              <a:rPr lang="en-US" sz="6600" b="1" dirty="0" err="1" smtClean="0">
-                <a:effectLst>
-                  <a:glow rad="101600">
-                    <a:schemeClr val="bg1">
-                      <a:alpha val="60000"/>
-                    </a:schemeClr>
-                  </a:glow>
-                </a:effectLst>
-                <a:latin typeface="VNI-Aptima" pitchFamily="2" charset="0"/>
-              </a:rPr>
-              <a:t>mau</a:t>
-            </a:r>
-            <a:r>
-              <a:rPr lang="en-US" sz="6600" b="1" dirty="0" smtClean="0">
-                <a:effectLst>
-                  <a:glow rad="101600">
-                    <a:schemeClr val="bg1">
-                      <a:alpha val="60000"/>
-                    </a:schemeClr>
-                  </a:glow>
-                </a:effectLst>
-                <a:latin typeface="VNI-Aptima" pitchFamily="2" charset="0"/>
-              </a:rPr>
-              <a:t> </a:t>
-            </a:r>
-            <a:r>
-              <a:rPr lang="en-US" sz="6600" b="1" dirty="0" err="1" smtClean="0">
-                <a:effectLst>
-                  <a:glow rad="101600">
-                    <a:schemeClr val="bg1">
-                      <a:alpha val="60000"/>
-                    </a:schemeClr>
-                  </a:glow>
-                </a:effectLst>
-                <a:latin typeface="VNI-Aptima" pitchFamily="2" charset="0"/>
-              </a:rPr>
               <a:t>ôù</a:t>
             </a:r>
             <a:r>
-              <a:rPr lang="en-US" sz="6600" b="1" dirty="0" smtClean="0">
-                <a:effectLst>
-                  <a:glow rad="101600">
-                    <a:schemeClr val="bg1">
-                      <a:alpha val="60000"/>
-                    </a:schemeClr>
-                  </a:glow>
-                </a:effectLst>
-                <a:latin typeface="VNI-Aptima" pitchFamily="2" charset="0"/>
-              </a:rPr>
-              <a:t> </a:t>
-            </a:r>
-            <a:r>
-              <a:rPr lang="en-US" sz="6600" b="1" dirty="0">
-                <a:effectLst>
-                  <a:glow rad="101600">
-                    <a:schemeClr val="bg1">
-                      <a:alpha val="60000"/>
-                    </a:schemeClr>
-                  </a:glow>
-                </a:effectLst>
-                <a:latin typeface="VNI-Aptima" pitchFamily="2" charset="0"/>
-              </a:rPr>
-              <a:t>con, </a:t>
-            </a:r>
-            <a:r>
-              <a:rPr lang="en-US" sz="6600" b="1" dirty="0" err="1" smtClean="0">
+              <a:rPr lang="en-US" sz="6600" b="1" dirty="0">
+                <a:effectLst>
+                  <a:glow rad="101600">
+                    <a:schemeClr val="bg1">
+                      <a:alpha val="60000"/>
+                    </a:schemeClr>
+                  </a:glow>
+                </a:effectLst>
+                <a:latin typeface="VNI-Aptima" pitchFamily="2" charset="0"/>
+              </a:rPr>
+              <a:t> con, </a:t>
+            </a:r>
+            <a:r>
+              <a:rPr lang="en-US" sz="6600" b="1" dirty="0" err="1">
                 <a:effectLst>
                   <a:glow rad="101600">
                     <a:schemeClr val="bg1">
@@ -7621,7 +6807,7 @@
               <a:t>haõy</a:t>
             </a:r>
             <a:r>
-              <a:rPr lang="en-US" sz="6600" b="1" dirty="0" smtClean="0">
+              <a:rPr lang="en-US" sz="6600" b="1" dirty="0">
                 <a:effectLst>
                   <a:glow rad="101600">
                     <a:schemeClr val="bg1">
@@ -7729,10 +6915,10 @@
                 </a:effectLst>
                 <a:latin typeface="VNI-Garam" pitchFamily="34" charset="0"/>
               </a:rPr>
-              <a:t>THAÙNH CA </a:t>
-            </a:r>
-            <a:r>
-              <a:rPr lang="en-US" sz="3500" b="1" dirty="0" smtClean="0">
+              <a:t>THAÙNH CA 388 – </a:t>
+            </a:r>
+            <a:r>
+              <a:rPr lang="sv-SE" sz="3500" b="1" dirty="0">
                 <a:solidFill>
                   <a:srgbClr val="002060"/>
                 </a:solidFill>
@@ -7745,37 +6931,8 @@
                 </a:effectLst>
                 <a:latin typeface="VNI-Garam" pitchFamily="34" charset="0"/>
               </a:rPr>
-              <a:t>388 – </a:t>
-            </a:r>
-            <a:r>
-              <a:rPr lang="sv-SE" sz="3500" b="1" dirty="0" smtClean="0">
-                <a:solidFill>
-                  <a:srgbClr val="002060"/>
-                </a:solidFill>
-                <a:effectLst>
-                  <a:glow rad="101600">
-                    <a:prstClr val="white">
-                      <a:alpha val="60000"/>
-                    </a:prstClr>
-                  </a:glow>
-                </a:effectLst>
-                <a:latin typeface="VNI-Garam" pitchFamily="34" charset="0"/>
-              </a:rPr>
               <a:t>HAÕY THEO TA</a:t>
             </a:r>
-            <a:endParaRPr lang="sv-SE" sz="3500" b="1" dirty="0">
-              <a:solidFill>
-                <a:srgbClr val="002060"/>
-              </a:solidFill>
-              <a:effectLst>
-                <a:glow rad="101600">
-                  <a:prstClr val="white">
-                    <a:alpha val="60000"/>
-                  </a:prstClr>
-                </a:glow>
-              </a:effectLst>
-              <a:latin typeface="VNI-Garam" pitchFamily="34" charset="0"/>
-            </a:endParaRPr>
           </a:p>
         </p:txBody>
       </p:sp>
@@ -7852,13 +7009,6 @@
       <p:transition/>
     </mc:Fallback>
   </mc:AlternateContent>
-  <p:timing>
-    <p:tnLst>
-      <p:par>
-        <p:cTn id="1" dur="indefinite" restart="never" nodeType="tmRoot"/>
-      </p:par>
-    </p:tnLst>
-  </p:timing>
 </p:sld>
 </file>
 
@@ -7990,7 +7140,7 @@
               <a:t> con </a:t>
             </a:r>
             <a:r>
-              <a:rPr lang="en-US" sz="6600" b="1" dirty="0" err="1" smtClean="0">
+              <a:rPr lang="en-US" sz="6600" b="1" dirty="0" err="1">
                 <a:effectLst>
                   <a:glow rad="101600">
                     <a:schemeClr val="bg1">
@@ -8016,7 +7166,7 @@
               <a:t> </a:t>
             </a:r>
             <a:r>
-              <a:rPr lang="en-US" sz="6600" b="1" dirty="0" err="1" smtClean="0">
+              <a:rPr lang="en-US" sz="6600" b="1" dirty="0" err="1">
                 <a:effectLst>
                   <a:glow rad="101600">
                     <a:schemeClr val="bg1">
@@ -8029,7 +7179,7 @@
               <a:t>muoân</a:t>
             </a:r>
             <a:r>
-              <a:rPr lang="en-US" sz="6600" b="1" dirty="0" smtClean="0">
+              <a:rPr lang="en-US" sz="6600" b="1" dirty="0">
                 <a:effectLst>
                   <a:glow rad="101600">
                     <a:schemeClr val="bg1">
@@ -8094,7 +7244,7 @@
               <a:t> </a:t>
             </a:r>
             <a:r>
-              <a:rPr lang="en-US" sz="6600" b="1" dirty="0" err="1" smtClean="0">
+              <a:rPr lang="en-US" sz="6600" b="1" dirty="0" err="1">
                 <a:effectLst>
                   <a:glow rad="101600">
                     <a:schemeClr val="bg1">
@@ -8117,10 +7267,23 @@
                 </a:effectLst>
                 <a:latin typeface="VNI-Aptima" pitchFamily="2" charset="0"/>
               </a:rPr>
-              <a:t>,</a:t>
-            </a:r>
-            <a:r>
-              <a:rPr lang="en-US" sz="6600" b="1" dirty="0" smtClean="0">
+              <a:t>, </a:t>
+            </a:r>
+            <a:r>
+              <a:rPr lang="en-US" sz="6600" b="1" dirty="0" err="1">
+                <a:effectLst>
+                  <a:glow rad="101600">
+                    <a:schemeClr val="bg1">
+                      <a:alpha val="60000"/>
+                    </a:schemeClr>
+                  </a:glow>
+                </a:effectLst>
+                <a:latin typeface="VNI-Aptima" pitchFamily="2" charset="0"/>
+              </a:rPr>
+              <a:t>Haõy</a:t>
+            </a:r>
+            <a:r>
+              <a:rPr lang="en-US" sz="6600" b="1" dirty="0">
                 <a:effectLst>
                   <a:glow rad="101600">
                     <a:schemeClr val="bg1">
@@ -8143,7 +7306,33 @@
                 </a:effectLst>
                 <a:latin typeface="VNI-Aptima" pitchFamily="2" charset="0"/>
               </a:rPr>
-              <a:t>Haõy</a:t>
+              <a:t>theo</a:t>
+            </a:r>
+            <a:r>
+              <a:rPr lang="en-US" sz="6600" b="1" dirty="0">
+                <a:effectLst>
+                  <a:glow rad="101600">
+                    <a:schemeClr val="bg1">
+                      <a:alpha val="60000"/>
+                    </a:schemeClr>
+                  </a:glow>
+                </a:effectLst>
+                <a:latin typeface="VNI-Aptima" pitchFamily="2" charset="0"/>
+              </a:rPr>
+              <a:t> Ta, </a:t>
+            </a:r>
+            <a:r>
+              <a:rPr lang="en-US" sz="6600" b="1" dirty="0" err="1">
+                <a:effectLst>
+                  <a:glow rad="101600">
+                    <a:schemeClr val="bg1">
+                      <a:alpha val="60000"/>
+                    </a:schemeClr>
+                  </a:glow>
+                </a:effectLst>
+                <a:latin typeface="VNI-Aptima" pitchFamily="2" charset="0"/>
+              </a:rPr>
+              <a:t>mau</a:t>
             </a:r>
             <a:r>
               <a:rPr lang="en-US" sz="6600" b="1" dirty="0">
@@ -8169,6 +7358,58 @@
                 </a:effectLst>
                 <a:latin typeface="VNI-Aptima" pitchFamily="2" charset="0"/>
               </a:rPr>
+              <a:t>ôù</a:t>
+            </a:r>
+            <a:r>
+              <a:rPr lang="en-US" sz="6600" b="1" dirty="0">
+                <a:effectLst>
+                  <a:glow rad="101600">
+                    <a:schemeClr val="bg1">
+                      <a:alpha val="60000"/>
+                    </a:schemeClr>
+                  </a:glow>
+                </a:effectLst>
+                <a:latin typeface="VNI-Aptima" pitchFamily="2" charset="0"/>
+              </a:rPr>
+              <a:t> con, </a:t>
+            </a:r>
+            <a:r>
+              <a:rPr lang="en-US" sz="6600" b="1" dirty="0" err="1">
+                <a:effectLst>
+                  <a:glow rad="101600">
+                    <a:schemeClr val="bg1">
+                      <a:alpha val="60000"/>
+                    </a:schemeClr>
+                  </a:glow>
+                </a:effectLst>
+                <a:latin typeface="VNI-Aptima" pitchFamily="2" charset="0"/>
+              </a:rPr>
+              <a:t>haõy</a:t>
+            </a:r>
+            <a:r>
+              <a:rPr lang="en-US" sz="6600" b="1" dirty="0">
+                <a:effectLst>
+                  <a:glow rad="101600">
+                    <a:schemeClr val="bg1">
+                      <a:alpha val="60000"/>
+                    </a:schemeClr>
+                  </a:glow>
+                </a:effectLst>
+                <a:latin typeface="VNI-Aptima" pitchFamily="2" charset="0"/>
+              </a:rPr>
+              <a:t> </a:t>
+            </a:r>
+            <a:r>
+              <a:rPr lang="en-US" sz="6600" b="1" dirty="0" err="1">
+                <a:effectLst>
+                  <a:glow rad="101600">
+                    <a:schemeClr val="bg1">
+                      <a:alpha val="60000"/>
+                    </a:schemeClr>
+                  </a:glow>
+                </a:effectLst>
+                <a:latin typeface="VNI-Aptima" pitchFamily="2" charset="0"/>
+              </a:rPr>
               <a:t>theo</a:t>
             </a:r>
             <a:r>
@@ -8182,161 +7423,8 @@
                 </a:effectLst>
                 <a:latin typeface="VNI-Aptima" pitchFamily="2" charset="0"/>
               </a:rPr>
-              <a:t> </a:t>
-            </a:r>
-            <a:r>
-              <a:rPr lang="en-US" sz="6600" b="1" dirty="0" smtClean="0">
-                <a:effectLst>
-                  <a:glow rad="101600">
-                    <a:schemeClr val="bg1">
-                      <a:alpha val="60000"/>
-                    </a:schemeClr>
-                  </a:glow>
-                </a:effectLst>
-                <a:latin typeface="VNI-Aptima" pitchFamily="2" charset="0"/>
-              </a:rPr>
-              <a:t>Ta, </a:t>
-            </a:r>
-            <a:r>
-              <a:rPr lang="en-US" sz="6600" b="1" dirty="0" err="1" smtClean="0">
-                <a:effectLst>
-                  <a:glow rad="101600">
-                    <a:schemeClr val="bg1">
-                      <a:alpha val="60000"/>
-                    </a:schemeClr>
-                  </a:glow>
-                </a:effectLst>
-                <a:latin typeface="VNI-Aptima" pitchFamily="2" charset="0"/>
-              </a:rPr>
-              <a:t>mau</a:t>
-            </a:r>
-            <a:r>
-              <a:rPr lang="en-US" sz="6600" b="1" dirty="0" smtClean="0">
-                <a:effectLst>
-                  <a:glow rad="101600">
-                    <a:schemeClr val="bg1">
-                      <a:alpha val="60000"/>
-                    </a:schemeClr>
-                  </a:glow>
-                </a:effectLst>
-                <a:latin typeface="VNI-Aptima" pitchFamily="2" charset="0"/>
-              </a:rPr>
-              <a:t> </a:t>
-            </a:r>
-            <a:r>
-              <a:rPr lang="en-US" sz="6600" b="1" dirty="0" err="1" smtClean="0">
-                <a:effectLst>
-                  <a:glow rad="101600">
-                    <a:schemeClr val="bg1">
-                      <a:alpha val="60000"/>
-                    </a:schemeClr>
-                  </a:glow>
-                </a:effectLst>
-                <a:latin typeface="VNI-Aptima" pitchFamily="2" charset="0"/>
-              </a:rPr>
-              <a:t>ôù</a:t>
-            </a:r>
-            <a:r>
-              <a:rPr lang="en-US" sz="6600" b="1" dirty="0" smtClean="0">
-                <a:effectLst>
-                  <a:glow rad="101600">
-                    <a:schemeClr val="bg1">
-                      <a:alpha val="60000"/>
-                    </a:schemeClr>
-                  </a:glow>
-                </a:effectLst>
-                <a:latin typeface="VNI-Aptima" pitchFamily="2" charset="0"/>
-              </a:rPr>
-              <a:t> </a:t>
-            </a:r>
-            <a:r>
-              <a:rPr lang="en-US" sz="6600" b="1" dirty="0">
-                <a:effectLst>
-                  <a:glow rad="101600">
-                    <a:schemeClr val="bg1">
-                      <a:alpha val="60000"/>
-                    </a:schemeClr>
-                  </a:glow>
-                </a:effectLst>
-                <a:latin typeface="VNI-Aptima" pitchFamily="2" charset="0"/>
-              </a:rPr>
-              <a:t>con, </a:t>
-            </a:r>
-            <a:r>
-              <a:rPr lang="en-US" sz="6600" b="1" dirty="0" err="1">
-                <a:effectLst>
-                  <a:glow rad="101600">
-                    <a:schemeClr val="bg1">
-                      <a:alpha val="60000"/>
-                    </a:schemeClr>
-                  </a:glow>
-                </a:effectLst>
-                <a:latin typeface="VNI-Aptima" pitchFamily="2" charset="0"/>
-              </a:rPr>
-              <a:t>haõy</a:t>
-            </a:r>
-            <a:r>
-              <a:rPr lang="en-US" sz="6600" b="1" dirty="0">
-                <a:effectLst>
-                  <a:glow rad="101600">
-                    <a:schemeClr val="bg1">
-                      <a:alpha val="60000"/>
-                    </a:schemeClr>
-                  </a:glow>
-                </a:effectLst>
-                <a:latin typeface="VNI-Aptima" pitchFamily="2" charset="0"/>
-              </a:rPr>
-              <a:t> </a:t>
-            </a:r>
-            <a:r>
-              <a:rPr lang="en-US" sz="6600" b="1" dirty="0" err="1">
-                <a:effectLst>
-                  <a:glow rad="101600">
-                    <a:schemeClr val="bg1">
-                      <a:alpha val="60000"/>
-                    </a:schemeClr>
-                  </a:glow>
-                </a:effectLst>
-                <a:latin typeface="VNI-Aptima" pitchFamily="2" charset="0"/>
-              </a:rPr>
-              <a:t>theo</a:t>
-            </a:r>
-            <a:r>
-              <a:rPr lang="en-US" sz="6600" b="1" dirty="0">
-                <a:effectLst>
-                  <a:glow rad="101600">
-                    <a:schemeClr val="bg1">
-                      <a:alpha val="60000"/>
-                    </a:schemeClr>
-                  </a:glow>
-                </a:effectLst>
-                <a:latin typeface="VNI-Aptima" pitchFamily="2" charset="0"/>
-              </a:rPr>
-              <a:t> </a:t>
-            </a:r>
-            <a:r>
-              <a:rPr lang="en-US" sz="6600" b="1" dirty="0" smtClean="0">
-                <a:effectLst>
-                  <a:glow rad="101600">
-                    <a:schemeClr val="bg1">
-                      <a:alpha val="60000"/>
-                    </a:schemeClr>
-                  </a:glow>
-                </a:effectLst>
-                <a:latin typeface="VNI-Aptima" pitchFamily="2" charset="0"/>
-              </a:rPr>
-              <a:t>Ta. </a:t>
-            </a:r>
-            <a:endParaRPr lang="en-US" sz="6600" b="1" dirty="0">
-              <a:effectLst>
-                <a:glow rad="101600">
-                  <a:schemeClr val="bg1">
-                    <a:alpha val="60000"/>
-                  </a:schemeClr>
-                </a:glow>
-              </a:effectLst>
-              <a:latin typeface="VNI-Aptima" pitchFamily="2" charset="0"/>
-            </a:endParaRPr>
+              <a:t> Ta. </a:t>
+            </a:r>
           </a:p>
         </p:txBody>
       </p:sp>
@@ -8383,10 +7471,10 @@
                 </a:effectLst>
                 <a:latin typeface="VNI-Garam" pitchFamily="34" charset="0"/>
               </a:rPr>
-              <a:t>THAÙNH CA </a:t>
-            </a:r>
-            <a:r>
-              <a:rPr lang="en-US" sz="3500" b="1" dirty="0" smtClean="0">
+              <a:t>THAÙNH CA 388 – </a:t>
+            </a:r>
+            <a:r>
+              <a:rPr lang="sv-SE" sz="3500" b="1" dirty="0">
                 <a:solidFill>
                   <a:srgbClr val="002060"/>
                 </a:solidFill>
@@ -8399,37 +7487,8 @@
                 </a:effectLst>
                 <a:latin typeface="VNI-Garam" pitchFamily="34" charset="0"/>
               </a:rPr>
-              <a:t>388 – </a:t>
-            </a:r>
-            <a:r>
-              <a:rPr lang="sv-SE" sz="3500" b="1" dirty="0" smtClean="0">
-                <a:solidFill>
-                  <a:srgbClr val="002060"/>
-                </a:solidFill>
-                <a:effectLst>
-                  <a:glow rad="101600">
-                    <a:prstClr val="white">
-                      <a:alpha val="60000"/>
-                    </a:prstClr>
-                  </a:glow>
-                </a:effectLst>
-                <a:latin typeface="VNI-Garam" pitchFamily="34" charset="0"/>
-              </a:rPr>
               <a:t>HAÕY THEO TA</a:t>
             </a:r>
-            <a:endParaRPr lang="sv-SE" sz="3500" b="1" dirty="0">
-              <a:solidFill>
-                <a:srgbClr val="002060"/>
-              </a:solidFill>
-              <a:effectLst>
-                <a:glow rad="101600">
-                  <a:prstClr val="white">
-                    <a:alpha val="60000"/>
-                  </a:prstClr>
-                </a:glow>
-              </a:effectLst>
-              <a:latin typeface="VNI-Garam" pitchFamily="34" charset="0"/>
-            </a:endParaRPr>
           </a:p>
         </p:txBody>
       </p:sp>
@@ -8506,13 +7565,6 @@
       <p:transition/>
     </mc:Fallback>
   </mc:AlternateContent>
-  <p:timing>
-    <p:tnLst>
-      <p:par>
-        <p:cTn id="1" dur="indefinite" restart="never" nodeType="tmRoot"/>
-      </p:par>
-    </p:tnLst>
-  </p:timing>
 </p:sld>
 </file>
 
@@ -8804,33 +7856,72 @@
                 </a:effectLst>
                 <a:latin typeface="VNI-Aptima" pitchFamily="2" charset="0"/>
               </a:rPr>
+              <a:t> Ta, </a:t>
+            </a:r>
+            <a:r>
+              <a:rPr lang="en-US" sz="6600" b="1" dirty="0" err="1">
+                <a:effectLst>
+                  <a:glow rad="101600">
+                    <a:schemeClr val="bg1">
+                      <a:alpha val="60000"/>
+                    </a:schemeClr>
+                  </a:glow>
+                </a:effectLst>
+                <a:latin typeface="VNI-Aptima" pitchFamily="2" charset="0"/>
+              </a:rPr>
+              <a:t>mau</a:t>
+            </a:r>
+            <a:r>
+              <a:rPr lang="en-US" sz="6600" b="1" dirty="0">
+                <a:effectLst>
+                  <a:glow rad="101600">
+                    <a:schemeClr val="bg1">
+                      <a:alpha val="60000"/>
+                    </a:schemeClr>
+                  </a:glow>
+                </a:effectLst>
+                <a:latin typeface="VNI-Aptima" pitchFamily="2" charset="0"/>
+              </a:rPr>
               <a:t> </a:t>
             </a:r>
             <a:r>
-              <a:rPr lang="en-US" sz="6600" b="1" dirty="0" smtClean="0">
-                <a:effectLst>
-                  <a:glow rad="101600">
-                    <a:schemeClr val="bg1">
-                      <a:alpha val="60000"/>
-                    </a:schemeClr>
-                  </a:glow>
-                </a:effectLst>
-                <a:latin typeface="VNI-Aptima" pitchFamily="2" charset="0"/>
-              </a:rPr>
-              <a:t>Ta, </a:t>
-            </a:r>
-            <a:r>
-              <a:rPr lang="en-US" sz="6600" b="1" dirty="0" err="1">
-                <a:effectLst>
-                  <a:glow rad="101600">
-                    <a:schemeClr val="bg1">
-                      <a:alpha val="60000"/>
-                    </a:schemeClr>
-                  </a:glow>
-                </a:effectLst>
-                <a:latin typeface="VNI-Aptima" pitchFamily="2" charset="0"/>
-              </a:rPr>
-              <a:t>mau</a:t>
+              <a:rPr lang="en-US" sz="6600" b="1" dirty="0" err="1">
+                <a:effectLst>
+                  <a:glow rad="101600">
+                    <a:schemeClr val="bg1">
+                      <a:alpha val="60000"/>
+                    </a:schemeClr>
+                  </a:glow>
+                </a:effectLst>
+                <a:latin typeface="VNI-Aptima" pitchFamily="2" charset="0"/>
+              </a:rPr>
+              <a:t>ôù</a:t>
+            </a:r>
+            <a:r>
+              <a:rPr lang="en-US" sz="6600" b="1" dirty="0">
+                <a:effectLst>
+                  <a:glow rad="101600">
+                    <a:schemeClr val="bg1">
+                      <a:alpha val="60000"/>
+                    </a:schemeClr>
+                  </a:glow>
+                </a:effectLst>
+                <a:latin typeface="VNI-Aptima" pitchFamily="2" charset="0"/>
+              </a:rPr>
+              <a:t> con, </a:t>
+            </a:r>
+            <a:r>
+              <a:rPr lang="en-US" sz="6600" b="1" dirty="0" err="1">
+                <a:effectLst>
+                  <a:glow rad="101600">
+                    <a:schemeClr val="bg1">
+                      <a:alpha val="60000"/>
+                    </a:schemeClr>
+                  </a:glow>
+                </a:effectLst>
+                <a:latin typeface="VNI-Aptima" pitchFamily="2" charset="0"/>
+              </a:rPr>
+              <a:t>haõy</a:t>
             </a:r>
             <a:r>
               <a:rPr lang="en-US" sz="6600" b="1" dirty="0">
@@ -8856,58 +7947,6 @@
                 </a:effectLst>
                 <a:latin typeface="VNI-Aptima" pitchFamily="2" charset="0"/>
               </a:rPr>
-              <a:t>ôù</a:t>
-            </a:r>
-            <a:r>
-              <a:rPr lang="en-US" sz="6600" b="1" dirty="0">
-                <a:effectLst>
-                  <a:glow rad="101600">
-                    <a:schemeClr val="bg1">
-                      <a:alpha val="60000"/>
-                    </a:schemeClr>
-                  </a:glow>
-                </a:effectLst>
-                <a:latin typeface="VNI-Aptima" pitchFamily="2" charset="0"/>
-              </a:rPr>
-              <a:t> con, </a:t>
-            </a:r>
-            <a:r>
-              <a:rPr lang="en-US" sz="6600" b="1" dirty="0" err="1">
-                <a:effectLst>
-                  <a:glow rad="101600">
-                    <a:schemeClr val="bg1">
-                      <a:alpha val="60000"/>
-                    </a:schemeClr>
-                  </a:glow>
-                </a:effectLst>
-                <a:latin typeface="VNI-Aptima" pitchFamily="2" charset="0"/>
-              </a:rPr>
-              <a:t>haõy</a:t>
-            </a:r>
-            <a:r>
-              <a:rPr lang="en-US" sz="6600" b="1" dirty="0">
-                <a:effectLst>
-                  <a:glow rad="101600">
-                    <a:schemeClr val="bg1">
-                      <a:alpha val="60000"/>
-                    </a:schemeClr>
-                  </a:glow>
-                </a:effectLst>
-                <a:latin typeface="VNI-Aptima" pitchFamily="2" charset="0"/>
-              </a:rPr>
-              <a:t> </a:t>
-            </a:r>
-            <a:r>
-              <a:rPr lang="en-US" sz="6600" b="1" dirty="0" err="1">
-                <a:effectLst>
-                  <a:glow rad="101600">
-                    <a:schemeClr val="bg1">
-                      <a:alpha val="60000"/>
-                    </a:schemeClr>
-                  </a:glow>
-                </a:effectLst>
-                <a:latin typeface="VNI-Aptima" pitchFamily="2" charset="0"/>
-              </a:rPr>
               <a:t>theo</a:t>
             </a:r>
             <a:r>
@@ -8921,31 +7960,8 @@
                 </a:effectLst>
                 <a:latin typeface="VNI-Aptima" pitchFamily="2" charset="0"/>
               </a:rPr>
-              <a:t> </a:t>
-            </a:r>
-            <a:r>
-              <a:rPr lang="en-US" sz="6600" b="1" dirty="0" smtClean="0">
-                <a:effectLst>
-                  <a:glow rad="101600">
-                    <a:schemeClr val="bg1">
-                      <a:alpha val="60000"/>
-                    </a:schemeClr>
-                  </a:glow>
-                </a:effectLst>
-                <a:latin typeface="VNI-Aptima" pitchFamily="2" charset="0"/>
-              </a:rPr>
-              <a:t>Ta.</a:t>
-            </a:r>
-            <a:endParaRPr lang="en-US" sz="6600" b="1" dirty="0">
-              <a:effectLst>
-                <a:glow rad="101600">
-                  <a:schemeClr val="bg1">
-                    <a:alpha val="60000"/>
-                  </a:schemeClr>
-                </a:glow>
-              </a:effectLst>
-              <a:latin typeface="VNI-Aptima" pitchFamily="2" charset="0"/>
-            </a:endParaRPr>
+              <a:t> Ta.</a:t>
+            </a:r>
           </a:p>
         </p:txBody>
       </p:sp>
@@ -9016,10 +8032,10 @@
                 </a:effectLst>
                 <a:latin typeface="VNI-Garam" pitchFamily="34" charset="0"/>
               </a:rPr>
-              <a:t>THAÙNH CA </a:t>
-            </a:r>
-            <a:r>
-              <a:rPr lang="en-US" sz="3500" b="1" dirty="0" smtClean="0">
+              <a:t>THAÙNH CA 388 – </a:t>
+            </a:r>
+            <a:r>
+              <a:rPr lang="sv-SE" sz="3500" b="1" dirty="0">
                 <a:solidFill>
                   <a:srgbClr val="002060"/>
                 </a:solidFill>
@@ -9032,37 +8048,8 @@
                 </a:effectLst>
                 <a:latin typeface="VNI-Garam" pitchFamily="34" charset="0"/>
               </a:rPr>
-              <a:t>388 – </a:t>
-            </a:r>
-            <a:r>
-              <a:rPr lang="sv-SE" sz="3500" b="1" dirty="0" smtClean="0">
-                <a:solidFill>
-                  <a:srgbClr val="002060"/>
-                </a:solidFill>
-                <a:effectLst>
-                  <a:glow rad="101600">
-                    <a:prstClr val="white">
-                      <a:alpha val="60000"/>
-                    </a:prstClr>
-                  </a:glow>
-                </a:effectLst>
-                <a:latin typeface="VNI-Garam" pitchFamily="34" charset="0"/>
-              </a:rPr>
               <a:t>HAÕY THEO TA</a:t>
             </a:r>
-            <a:endParaRPr lang="sv-SE" sz="3500" b="1" dirty="0">
-              <a:solidFill>
-                <a:srgbClr val="002060"/>
-              </a:solidFill>
-              <a:effectLst>
-                <a:glow rad="101600">
-                  <a:prstClr val="white">
-                    <a:alpha val="60000"/>
-                  </a:prstClr>
-                </a:glow>
-              </a:effectLst>
-              <a:latin typeface="VNI-Garam" pitchFamily="34" charset="0"/>
-            </a:endParaRPr>
           </a:p>
         </p:txBody>
       </p:sp>
@@ -9139,13 +8126,6 @@
       <p:transition/>
     </mc:Fallback>
   </mc:AlternateContent>
-  <p:timing>
-    <p:tnLst>
-      <p:par>
-        <p:cTn id="1" dur="indefinite" restart="never" nodeType="tmRoot"/>
-      </p:par>
-    </p:tnLst>
-  </p:timing>
 </p:sld>
 </file>
 
@@ -9272,21 +8252,8 @@
               </a:rPr>
               <a:t> </a:t>
             </a:r>
-            <a:r>
-              <a:rPr lang="en-US" sz="6600" b="1" dirty="0" smtClean="0">
-                <a:effectLst>
-                  <a:glow rad="101600">
-                    <a:schemeClr val="bg1">
-                      <a:alpha val="60000"/>
-                    </a:schemeClr>
-                  </a:glow>
-                </a:effectLst>
-                <a:latin typeface="VNI-Aptima" pitchFamily="2" charset="0"/>
-              </a:rPr>
-              <a:t/>
-            </a:r>
             <a:br>
-              <a:rPr lang="en-US" sz="6600" b="1" dirty="0" smtClean="0">
+              <a:rPr lang="en-US" sz="6600" b="1" dirty="0">
                 <a:effectLst>
                   <a:glow rad="101600">
                     <a:schemeClr val="bg1">
@@ -9298,7 +8265,7 @@
               </a:rPr>
             </a:br>
             <a:r>
-              <a:rPr lang="en-US" sz="6600" b="1" dirty="0" err="1" smtClean="0">
+              <a:rPr lang="en-US" sz="6600" b="1" dirty="0" err="1">
                 <a:effectLst>
                   <a:glow rad="101600">
                     <a:schemeClr val="bg1">
@@ -9311,7 +8278,7 @@
               <a:t>troâi</a:t>
             </a:r>
             <a:r>
-              <a:rPr lang="en-US" sz="6600" b="1" dirty="0" smtClean="0">
+              <a:rPr lang="en-US" sz="6600" b="1" dirty="0">
                 <a:effectLst>
                   <a:glow rad="101600">
                     <a:schemeClr val="bg1">
@@ -9414,7 +8381,7 @@
               <a:t> qua </a:t>
             </a:r>
             <a:r>
-              <a:rPr lang="en-US" sz="6600" b="1" dirty="0" err="1" smtClean="0">
+              <a:rPr lang="en-US" sz="6600" b="1" dirty="0" err="1">
                 <a:effectLst>
                   <a:glow rad="101600">
                     <a:schemeClr val="bg1">
@@ -9427,7 +8394,7 @@
               <a:t>soâng</a:t>
             </a:r>
             <a:r>
-              <a:rPr lang="en-US" sz="6600" b="1" dirty="0" smtClean="0">
+              <a:rPr lang="en-US" sz="6600" b="1" dirty="0">
                 <a:effectLst>
                   <a:glow rad="101600">
                     <a:schemeClr val="bg1">
@@ -9465,21 +8432,8 @@
               </a:rPr>
               <a:t> </a:t>
             </a:r>
-            <a:r>
-              <a:rPr lang="en-US" sz="6600" b="1" dirty="0" smtClean="0">
-                <a:effectLst>
-                  <a:glow rad="101600">
-                    <a:schemeClr val="bg1">
-                      <a:alpha val="60000"/>
-                    </a:schemeClr>
-                  </a:glow>
-                </a:effectLst>
-                <a:latin typeface="VNI-Aptima" pitchFamily="2" charset="0"/>
-              </a:rPr>
-              <a:t/>
-            </a:r>
             <a:br>
-              <a:rPr lang="en-US" sz="6600" b="1" dirty="0" smtClean="0">
+              <a:rPr lang="en-US" sz="6600" b="1" dirty="0">
                 <a:effectLst>
                   <a:glow rad="101600">
                     <a:schemeClr val="bg1">
@@ -9491,7 +8445,7 @@
               </a:rPr>
             </a:br>
             <a:r>
-              <a:rPr lang="en-US" sz="6600" b="1" dirty="0" smtClean="0">
+              <a:rPr lang="en-US" sz="6600" b="1" dirty="0">
                 <a:effectLst>
                   <a:glow rad="101600">
                     <a:schemeClr val="bg1">
@@ -9527,31 +8481,8 @@
                 </a:effectLst>
                 <a:latin typeface="VNI-Aptima" pitchFamily="2" charset="0"/>
               </a:rPr>
-              <a:t> con </a:t>
-            </a:r>
-            <a:r>
-              <a:rPr lang="en-US" sz="6600" b="1" dirty="0" smtClean="0">
-                <a:effectLst>
-                  <a:glow rad="101600">
-                    <a:schemeClr val="bg1">
-                      <a:alpha val="60000"/>
-                    </a:schemeClr>
-                  </a:glow>
-                </a:effectLst>
-                <a:latin typeface="VNI-Aptima" pitchFamily="2" charset="0"/>
-              </a:rPr>
-              <a:t>qua. </a:t>
-            </a:r>
-            <a:endParaRPr lang="en-US" sz="6600" b="1" dirty="0">
-              <a:effectLst>
-                <a:glow rad="101600">
-                  <a:schemeClr val="bg1">
-                    <a:alpha val="60000"/>
-                  </a:schemeClr>
-                </a:glow>
-              </a:effectLst>
-              <a:latin typeface="VNI-Aptima" pitchFamily="2" charset="0"/>
-            </a:endParaRPr>
+              <a:t> con qua. </a:t>
+            </a:r>
           </a:p>
         </p:txBody>
       </p:sp>
@@ -9622,10 +8553,10 @@
                 </a:effectLst>
                 <a:latin typeface="VNI-Garam" pitchFamily="34" charset="0"/>
               </a:rPr>
-              <a:t>THAÙNH CA </a:t>
-            </a:r>
-            <a:r>
-              <a:rPr lang="en-US" sz="3500" b="1" dirty="0" smtClean="0">
+              <a:t>THAÙNH CA 388 – </a:t>
+            </a:r>
+            <a:r>
+              <a:rPr lang="sv-SE" sz="3500" b="1" dirty="0">
                 <a:solidFill>
                   <a:srgbClr val="002060"/>
                 </a:solidFill>
@@ -9638,37 +8569,8 @@
                 </a:effectLst>
                 <a:latin typeface="VNI-Garam" pitchFamily="34" charset="0"/>
               </a:rPr>
-              <a:t>388 – </a:t>
-            </a:r>
-            <a:r>
-              <a:rPr lang="sv-SE" sz="3500" b="1" dirty="0" smtClean="0">
-                <a:solidFill>
-                  <a:srgbClr val="002060"/>
-                </a:solidFill>
-                <a:effectLst>
-                  <a:glow rad="101600">
-                    <a:prstClr val="white">
-                      <a:alpha val="60000"/>
-                    </a:prstClr>
-                  </a:glow>
-                </a:effectLst>
-                <a:latin typeface="VNI-Garam" pitchFamily="34" charset="0"/>
-              </a:rPr>
               <a:t>HAÕY THEO TA</a:t>
             </a:r>
-            <a:endParaRPr lang="sv-SE" sz="3500" b="1" dirty="0">
-              <a:solidFill>
-                <a:srgbClr val="002060"/>
-              </a:solidFill>
-              <a:effectLst>
-                <a:glow rad="101600">
-                  <a:prstClr val="white">
-                    <a:alpha val="60000"/>
-                  </a:prstClr>
-                </a:glow>
-              </a:effectLst>
-              <a:latin typeface="VNI-Garam" pitchFamily="34" charset="0"/>
-            </a:endParaRPr>
           </a:p>
         </p:txBody>
       </p:sp>
@@ -9745,13 +8647,6 @@
       <p:transition/>
     </mc:Fallback>
   </mc:AlternateContent>
-  <p:timing>
-    <p:tnLst>
-      <p:par>
-        <p:cTn id="1" dur="indefinite" restart="never" nodeType="tmRoot"/>
-      </p:par>
-    </p:tnLst>
-  </p:timing>
 </p:sld>
 </file>
 
@@ -9904,21 +8799,8 @@
               </a:rPr>
               <a:t> </a:t>
             </a:r>
-            <a:r>
-              <a:rPr lang="en-US" sz="6600" b="1" dirty="0" smtClean="0">
-                <a:effectLst>
-                  <a:glow rad="101600">
-                    <a:schemeClr val="bg1">
-                      <a:alpha val="60000"/>
-                    </a:schemeClr>
-                  </a:glow>
-                </a:effectLst>
-                <a:latin typeface="VNI-Aptima" pitchFamily="2" charset="0"/>
-              </a:rPr>
-              <a:t/>
-            </a:r>
             <a:br>
-              <a:rPr lang="en-US" sz="6600" b="1" dirty="0" smtClean="0">
+              <a:rPr lang="en-US" sz="6600" b="1" dirty="0">
                 <a:effectLst>
                   <a:glow rad="101600">
                     <a:schemeClr val="bg1">
@@ -9930,7 +8812,7 @@
               </a:rPr>
             </a:br>
             <a:r>
-              <a:rPr lang="en-US" sz="6600" b="1" dirty="0" err="1" smtClean="0">
+              <a:rPr lang="en-US" sz="6600" b="1" dirty="0" err="1">
                 <a:effectLst>
                   <a:glow rad="101600">
                     <a:schemeClr val="bg1">
@@ -9943,7 +8825,33 @@
               <a:t>phöôùc</a:t>
             </a:r>
             <a:r>
-              <a:rPr lang="en-US" sz="6600" b="1" dirty="0" smtClean="0">
+              <a:rPr lang="en-US" sz="6600" b="1" dirty="0">
+                <a:effectLst>
+                  <a:glow rad="101600">
+                    <a:schemeClr val="bg1">
+                      <a:alpha val="60000"/>
+                    </a:schemeClr>
+                  </a:glow>
+                </a:effectLst>
+                <a:latin typeface="VNI-Aptima" pitchFamily="2" charset="0"/>
+              </a:rPr>
+              <a:t> Ta </a:t>
+            </a:r>
+            <a:r>
+              <a:rPr lang="en-US" sz="6600" b="1" dirty="0" err="1">
+                <a:effectLst>
+                  <a:glow rad="101600">
+                    <a:schemeClr val="bg1">
+                      <a:alpha val="60000"/>
+                    </a:schemeClr>
+                  </a:glow>
+                </a:effectLst>
+                <a:latin typeface="VNI-Aptima" pitchFamily="2" charset="0"/>
+              </a:rPr>
+              <a:t>haèng</a:t>
+            </a:r>
+            <a:r>
+              <a:rPr lang="en-US" sz="6600" b="1" dirty="0">
                 <a:effectLst>
                   <a:glow rad="101600">
                     <a:schemeClr val="bg1">
@@ -9956,30 +8864,43 @@
               <a:t> </a:t>
             </a:r>
             <a:r>
-              <a:rPr lang="en-US" sz="6600" b="1" dirty="0">
-                <a:effectLst>
-                  <a:glow rad="101600">
-                    <a:schemeClr val="bg1">
-                      <a:alpha val="60000"/>
-                    </a:schemeClr>
-                  </a:glow>
-                </a:effectLst>
-                <a:latin typeface="VNI-Aptima" pitchFamily="2" charset="0"/>
-              </a:rPr>
-              <a:t>Ta </a:t>
-            </a:r>
-            <a:r>
-              <a:rPr lang="en-US" sz="6600" b="1" dirty="0" err="1">
-                <a:effectLst>
-                  <a:glow rad="101600">
-                    <a:schemeClr val="bg1">
-                      <a:alpha val="60000"/>
-                    </a:schemeClr>
-                  </a:glow>
-                </a:effectLst>
-                <a:latin typeface="VNI-Aptima" pitchFamily="2" charset="0"/>
-              </a:rPr>
-              <a:t>haèng</a:t>
+              <a:rPr lang="en-US" sz="6600" b="1" dirty="0" err="1">
+                <a:effectLst>
+                  <a:glow rad="101600">
+                    <a:schemeClr val="bg1">
+                      <a:alpha val="60000"/>
+                    </a:schemeClr>
+                  </a:glow>
+                </a:effectLst>
+                <a:latin typeface="VNI-Aptima" pitchFamily="2" charset="0"/>
+              </a:rPr>
+              <a:t>coøn</a:t>
+            </a:r>
+            <a:r>
+              <a:rPr lang="en-US" sz="6600" b="1" dirty="0">
+                <a:effectLst>
+                  <a:glow rad="101600">
+                    <a:schemeClr val="bg1">
+                      <a:alpha val="60000"/>
+                    </a:schemeClr>
+                  </a:glow>
+                </a:effectLst>
+                <a:latin typeface="VNI-Aptima" pitchFamily="2" charset="0"/>
+              </a:rPr>
+              <a:t>, </a:t>
+            </a:r>
+            <a:r>
+              <a:rPr lang="en-US" sz="6600" b="1" dirty="0" err="1">
+                <a:effectLst>
+                  <a:glow rad="101600">
+                    <a:schemeClr val="bg1">
+                      <a:alpha val="60000"/>
+                    </a:schemeClr>
+                  </a:glow>
+                </a:effectLst>
+                <a:latin typeface="VNI-Aptima" pitchFamily="2" charset="0"/>
+              </a:rPr>
+              <a:t>Haõy</a:t>
             </a:r>
             <a:r>
               <a:rPr lang="en-US" sz="6600" b="1" dirty="0">
@@ -9995,33 +8916,46 @@
               <a:t> </a:t>
             </a:r>
             <a:r>
-              <a:rPr lang="en-US" sz="6600" b="1" dirty="0" err="1" smtClean="0">
-                <a:effectLst>
-                  <a:glow rad="101600">
-                    <a:schemeClr val="bg1">
-                      <a:alpha val="60000"/>
-                    </a:schemeClr>
-                  </a:glow>
-                </a:effectLst>
-                <a:latin typeface="VNI-Aptima" pitchFamily="2" charset="0"/>
-              </a:rPr>
-              <a:t>coøn</a:t>
-            </a:r>
-            <a:r>
-              <a:rPr lang="en-US" sz="6600" b="1" dirty="0">
-                <a:effectLst>
-                  <a:glow rad="101600">
-                    <a:schemeClr val="bg1">
-                      <a:alpha val="60000"/>
-                    </a:schemeClr>
-                  </a:glow>
-                </a:effectLst>
-                <a:latin typeface="VNI-Aptima" pitchFamily="2" charset="0"/>
-              </a:rPr>
-              <a:t>,</a:t>
-            </a:r>
-            <a:r>
-              <a:rPr lang="en-US" sz="6600" b="1" dirty="0" smtClean="0">
+              <a:rPr lang="en-US" sz="6600" b="1" dirty="0" err="1">
+                <a:effectLst>
+                  <a:glow rad="101600">
+                    <a:schemeClr val="bg1">
+                      <a:alpha val="60000"/>
+                    </a:schemeClr>
+                  </a:glow>
+                </a:effectLst>
+                <a:latin typeface="VNI-Aptima" pitchFamily="2" charset="0"/>
+              </a:rPr>
+              <a:t>theo</a:t>
+            </a:r>
+            <a:r>
+              <a:rPr lang="en-US" sz="6600" b="1" dirty="0">
+                <a:effectLst>
+                  <a:glow rad="101600">
+                    <a:schemeClr val="bg1">
+                      <a:alpha val="60000"/>
+                    </a:schemeClr>
+                  </a:glow>
+                </a:effectLst>
+                <a:latin typeface="VNI-Aptima" pitchFamily="2" charset="0"/>
+              </a:rPr>
+              <a:t> Ta, </a:t>
+            </a:r>
+            <a:r>
+              <a:rPr lang="en-US" sz="6600" b="1" dirty="0" err="1">
+                <a:effectLst>
+                  <a:glow rad="101600">
+                    <a:schemeClr val="bg1">
+                      <a:alpha val="60000"/>
+                    </a:schemeClr>
+                  </a:glow>
+                </a:effectLst>
+                <a:latin typeface="VNI-Aptima" pitchFamily="2" charset="0"/>
+              </a:rPr>
+              <a:t>mau</a:t>
+            </a:r>
+            <a:r>
+              <a:rPr lang="en-US" sz="6600" b="1" dirty="0">
                 <a:effectLst>
                   <a:glow rad="101600">
                     <a:schemeClr val="bg1">
@@ -10044,127 +8978,23 @@
                 </a:effectLst>
                 <a:latin typeface="VNI-Aptima" pitchFamily="2" charset="0"/>
               </a:rPr>
-              <a:t>Haõy</a:t>
-            </a:r>
-            <a:r>
-              <a:rPr lang="en-US" sz="6600" b="1" dirty="0">
-                <a:effectLst>
-                  <a:glow rad="101600">
-                    <a:schemeClr val="bg1">
-                      <a:alpha val="60000"/>
-                    </a:schemeClr>
-                  </a:glow>
-                </a:effectLst>
-                <a:latin typeface="VNI-Aptima" pitchFamily="2" charset="0"/>
-              </a:rPr>
-              <a:t> </a:t>
-            </a:r>
-            <a:r>
-              <a:rPr lang="en-US" sz="6600" b="1" dirty="0" err="1">
-                <a:effectLst>
-                  <a:glow rad="101600">
-                    <a:schemeClr val="bg1">
-                      <a:alpha val="60000"/>
-                    </a:schemeClr>
-                  </a:glow>
-                </a:effectLst>
-                <a:latin typeface="VNI-Aptima" pitchFamily="2" charset="0"/>
-              </a:rPr>
-              <a:t>theo</a:t>
-            </a:r>
-            <a:r>
-              <a:rPr lang="en-US" sz="6600" b="1" dirty="0">
-                <a:effectLst>
-                  <a:glow rad="101600">
-                    <a:schemeClr val="bg1">
-                      <a:alpha val="60000"/>
-                    </a:schemeClr>
-                  </a:glow>
-                </a:effectLst>
-                <a:latin typeface="VNI-Aptima" pitchFamily="2" charset="0"/>
-              </a:rPr>
-              <a:t> </a:t>
-            </a:r>
-            <a:r>
-              <a:rPr lang="en-US" sz="6600" b="1" dirty="0" smtClean="0">
-                <a:effectLst>
-                  <a:glow rad="101600">
-                    <a:schemeClr val="bg1">
-                      <a:alpha val="60000"/>
-                    </a:schemeClr>
-                  </a:glow>
-                </a:effectLst>
-                <a:latin typeface="VNI-Aptima" pitchFamily="2" charset="0"/>
-              </a:rPr>
-              <a:t>Ta, </a:t>
-            </a:r>
-            <a:r>
-              <a:rPr lang="en-US" sz="6600" b="1" dirty="0" err="1">
-                <a:effectLst>
-                  <a:glow rad="101600">
-                    <a:schemeClr val="bg1">
-                      <a:alpha val="60000"/>
-                    </a:schemeClr>
-                  </a:glow>
-                </a:effectLst>
-                <a:latin typeface="VNI-Aptima" pitchFamily="2" charset="0"/>
-              </a:rPr>
-              <a:t>mau</a:t>
-            </a:r>
-            <a:r>
-              <a:rPr lang="en-US" sz="6600" b="1" dirty="0">
-                <a:effectLst>
-                  <a:glow rad="101600">
-                    <a:schemeClr val="bg1">
-                      <a:alpha val="60000"/>
-                    </a:schemeClr>
-                  </a:glow>
-                </a:effectLst>
-                <a:latin typeface="VNI-Aptima" pitchFamily="2" charset="0"/>
-              </a:rPr>
-              <a:t> </a:t>
-            </a:r>
-            <a:r>
-              <a:rPr lang="en-US" sz="6600" b="1" dirty="0" err="1" smtClean="0">
-                <a:effectLst>
-                  <a:glow rad="101600">
-                    <a:schemeClr val="bg1">
-                      <a:alpha val="60000"/>
-                    </a:schemeClr>
-                  </a:glow>
-                </a:effectLst>
-                <a:latin typeface="VNI-Aptima" pitchFamily="2" charset="0"/>
-              </a:rPr>
               <a:t>ôù</a:t>
             </a:r>
             <a:r>
-              <a:rPr lang="en-US" sz="6600" b="1" dirty="0" smtClean="0">
-                <a:effectLst>
-                  <a:glow rad="101600">
-                    <a:schemeClr val="bg1">
-                      <a:alpha val="60000"/>
-                    </a:schemeClr>
-                  </a:glow>
-                </a:effectLst>
-                <a:latin typeface="VNI-Aptima" pitchFamily="2" charset="0"/>
-              </a:rPr>
-              <a:t> </a:t>
-            </a:r>
-            <a:r>
-              <a:rPr lang="en-US" sz="6600" b="1" dirty="0">
-                <a:effectLst>
-                  <a:glow rad="101600">
-                    <a:schemeClr val="bg1">
-                      <a:alpha val="60000"/>
-                    </a:schemeClr>
-                  </a:glow>
-                </a:effectLst>
-                <a:latin typeface="VNI-Aptima" pitchFamily="2" charset="0"/>
-              </a:rPr>
-              <a:t>con, </a:t>
-            </a:r>
-            <a:r>
-              <a:rPr lang="en-US" sz="6600" b="1" dirty="0" err="1" smtClean="0">
+              <a:rPr lang="en-US" sz="6600" b="1" dirty="0">
+                <a:effectLst>
+                  <a:glow rad="101600">
+                    <a:schemeClr val="bg1">
+                      <a:alpha val="60000"/>
+                    </a:schemeClr>
+                  </a:glow>
+                </a:effectLst>
+                <a:latin typeface="VNI-Aptima" pitchFamily="2" charset="0"/>
+              </a:rPr>
+              <a:t> con, </a:t>
+            </a:r>
+            <a:r>
+              <a:rPr lang="en-US" sz="6600" b="1" dirty="0" err="1">
                 <a:effectLst>
                   <a:glow rad="101600">
                     <a:schemeClr val="bg1">
@@ -10177,7 +9007,7 @@
               <a:t>haõy</a:t>
             </a:r>
             <a:r>
-              <a:rPr lang="en-US" sz="6600" b="1" dirty="0" smtClean="0">
+              <a:rPr lang="en-US" sz="6600" b="1" dirty="0">
                 <a:effectLst>
                   <a:glow rad="101600">
                     <a:schemeClr val="bg1">
@@ -10285,10 +9115,10 @@
                 </a:effectLst>
                 <a:latin typeface="VNI-Garam" pitchFamily="34" charset="0"/>
               </a:rPr>
-              <a:t>THAÙNH CA </a:t>
-            </a:r>
-            <a:r>
-              <a:rPr lang="en-US" sz="3500" b="1" dirty="0" smtClean="0">
+              <a:t>THAÙNH CA 388 – </a:t>
+            </a:r>
+            <a:r>
+              <a:rPr lang="sv-SE" sz="3500" b="1" dirty="0">
                 <a:solidFill>
                   <a:srgbClr val="002060"/>
                 </a:solidFill>
@@ -10301,37 +9131,8 @@
                 </a:effectLst>
                 <a:latin typeface="VNI-Garam" pitchFamily="34" charset="0"/>
               </a:rPr>
-              <a:t>388 – </a:t>
-            </a:r>
-            <a:r>
-              <a:rPr lang="sv-SE" sz="3500" b="1" dirty="0" smtClean="0">
-                <a:solidFill>
-                  <a:srgbClr val="002060"/>
-                </a:solidFill>
-                <a:effectLst>
-                  <a:glow rad="101600">
-                    <a:prstClr val="white">
-                      <a:alpha val="60000"/>
-                    </a:prstClr>
-                  </a:glow>
-                </a:effectLst>
-                <a:latin typeface="VNI-Garam" pitchFamily="34" charset="0"/>
-              </a:rPr>
               <a:t>HAÕY THEO TA</a:t>
             </a:r>
-            <a:endParaRPr lang="sv-SE" sz="3500" b="1" dirty="0">
-              <a:solidFill>
-                <a:srgbClr val="002060"/>
-              </a:solidFill>
-              <a:effectLst>
-                <a:glow rad="101600">
-                  <a:prstClr val="white">
-                    <a:alpha val="60000"/>
-                  </a:prstClr>
-                </a:glow>
-              </a:effectLst>
-              <a:latin typeface="VNI-Garam" pitchFamily="34" charset="0"/>
-            </a:endParaRPr>
           </a:p>
         </p:txBody>
       </p:sp>
@@ -10408,13 +9209,6 @@
       <p:transition/>
     </mc:Fallback>
   </mc:AlternateContent>
-  <p:timing>
-    <p:tnLst>
-      <p:par>
-        <p:cTn id="1" dur="indefinite" restart="never" nodeType="tmRoot"/>
-      </p:par>
-    </p:tnLst>
-  </p:timing>
 </p:sld>
 </file>
 
